--- a/revised-ppts/Day 12 PPT.pptx
+++ b/revised-ppts/Day 12 PPT.pptx
@@ -42626,6 +42626,45 @@
           </a:bodyPr>
           <a:lstStyle/>
           <a:p>
+            <a:pPr marL="342900" indent="-342900">
+              <a:spcBef>
+                <a:spcPts val="0"/>
+              </a:spcBef>
+            </a:pPr>
+            <a:r>
+              <a:rPr lang="en-US" b="1" i="1" u="sng" dirty="0"/>
+              <a:t>Abstraction</a:t>
+            </a:r>
+            <a:r>
+              <a:rPr lang="en-US" dirty="0"/>
+              <a:t>: </a:t>
+            </a:r>
+            <a:r>
+              <a:rPr lang="en-US" sz="2400" dirty="0"/>
+              <a:t>The process of hiding implementation and processes of an entity to reduce complexity or increase understanding of a system’s properties.</a:t>
+            </a:r>
+          </a:p>
+          <a:p>
+            <a:pPr marL="342900" indent="-342900">
+              <a:spcBef>
+                <a:spcPts val="0"/>
+              </a:spcBef>
+            </a:pPr>
+            <a:r>
+              <a:rPr lang="en-US" b="1" i="1" u="sng" dirty="0"/>
+              <a:t>Polymorphism</a:t>
+            </a:r>
+            <a:r>
+              <a:rPr lang="en-US" dirty="0"/>
+              <a:t>: </a:t>
+            </a:r>
+            <a:r>
+              <a:rPr lang="en-US" sz="2400" dirty="0"/>
+              <a:t>The ability for objects, classes, variables and/or methods to alter functionality while maintaining structure.</a:t>
+            </a:r>
+            <a:endParaRPr lang="en-US" sz="2400" b="1" i="1" u="sng" dirty="0"/>
+          </a:p>
+          <a:p>
             <a:pPr marL="342900" lvl="0" indent="-342900" algn="l" rtl="0">
               <a:spcBef>
                 <a:spcPts val="0"/>
@@ -42685,6 +42724,7 @@
               <a:rPr lang="en-US" sz="2400" dirty="0"/>
               <a:t>The act of wrapping code into a single unit and then selectively exposing and restricting access to that code based on functionality or use within classes.</a:t>
             </a:r>
+            <a:endParaRPr lang="en-US" sz="800" dirty="0"/>
           </a:p>
           <a:p>
             <a:pPr marL="342900" lvl="0" indent="-342900" algn="l" rtl="0">
@@ -42698,67 +42738,6 @@
               <a:buChar char="•"/>
             </a:pPr>
             <a:endParaRPr lang="en-US" sz="800" dirty="0"/>
-          </a:p>
-          <a:p>
-            <a:pPr marL="342900" lvl="0" indent="-342900" algn="l" rtl="0">
-              <a:spcBef>
-                <a:spcPts val="0"/>
-              </a:spcBef>
-              <a:spcAft>
-                <a:spcPts val="0"/>
-              </a:spcAft>
-              <a:buSzPts val="2800"/>
-              <a:buChar char="•"/>
-            </a:pPr>
-            <a:r>
-              <a:rPr lang="en-US" b="1" i="1" u="sng" dirty="0"/>
-              <a:t>Polymorphism</a:t>
-            </a:r>
-            <a:r>
-              <a:rPr lang="en-US" dirty="0"/>
-              <a:t>: </a:t>
-            </a:r>
-            <a:r>
-              <a:rPr lang="en-US" sz="2400" dirty="0"/>
-              <a:t>The ability for objects, classes, variables and/or methods to alter functionality while maintaining structure.</a:t>
-            </a:r>
-          </a:p>
-          <a:p>
-            <a:pPr marL="342900" lvl="0" indent="-342900" algn="l" rtl="0">
-              <a:spcBef>
-                <a:spcPts val="0"/>
-              </a:spcBef>
-              <a:spcAft>
-                <a:spcPts val="0"/>
-              </a:spcAft>
-              <a:buSzPts val="2800"/>
-              <a:buChar char="•"/>
-            </a:pPr>
-            <a:endParaRPr lang="en-US" sz="800" dirty="0"/>
-          </a:p>
-          <a:p>
-            <a:pPr marL="342900" lvl="0" indent="-342900" algn="l" rtl="0">
-              <a:spcBef>
-                <a:spcPts val="0"/>
-              </a:spcBef>
-              <a:spcAft>
-                <a:spcPts val="0"/>
-              </a:spcAft>
-              <a:buSzPts val="2800"/>
-              <a:buChar char="•"/>
-            </a:pPr>
-            <a:r>
-              <a:rPr lang="en-US" b="1" i="1" u="sng" dirty="0"/>
-              <a:t>Abstraction</a:t>
-            </a:r>
-            <a:r>
-              <a:rPr lang="en-US" dirty="0"/>
-              <a:t>: </a:t>
-            </a:r>
-            <a:r>
-              <a:rPr lang="en-US" sz="2400" dirty="0"/>
-              <a:t>The process of hiding implementation and processes of an entity to reduce complexity or increase understanding of a system’s properties.</a:t>
-            </a:r>
           </a:p>
         </p:txBody>
       </p:sp>
@@ -42898,7 +42877,7 @@
                                         <p:tgtEl>
                                           <p:spTgt spid="226">
                                             <p:txEl>
-                                              <p:pRg st="2" end="2"/>
+                                              <p:pRg st="1" end="1"/>
                                             </p:txEl>
                                           </p:spTgt>
                                         </p:tgtEl>
@@ -42947,7 +42926,7 @@
                                         <p:tgtEl>
                                           <p:spTgt spid="226">
                                             <p:txEl>
-                                              <p:pRg st="4" end="4"/>
+                                              <p:pRg st="2" end="2"/>
                                             </p:txEl>
                                           </p:spTgt>
                                         </p:tgtEl>
@@ -42996,7 +42975,7 @@
                                         <p:tgtEl>
                                           <p:spTgt spid="226">
                                             <p:txEl>
-                                              <p:pRg st="6" end="6"/>
+                                              <p:pRg st="4" end="4"/>
                                             </p:txEl>
                                           </p:spTgt>
                                         </p:tgtEl>

--- a/revised-ppts/Day 12 PPT.pptx
+++ b/revised-ppts/Day 12 PPT.pptx
@@ -14,8 +14,8 @@
     <p:sldId id="258" r:id="rId5"/>
     <p:sldId id="298" r:id="rId6"/>
     <p:sldId id="272" r:id="rId7"/>
-    <p:sldId id="296" r:id="rId8"/>
-    <p:sldId id="292" r:id="rId9"/>
+    <p:sldId id="292" r:id="rId8"/>
+    <p:sldId id="296" r:id="rId9"/>
     <p:sldId id="299" r:id="rId10"/>
     <p:sldId id="269" r:id="rId11"/>
     <p:sldId id="270" r:id="rId12"/>
@@ -28,9 +28,9 @@
     <p:sldId id="257" r:id="rId19"/>
     <p:sldId id="278" r:id="rId20"/>
     <p:sldId id="277" r:id="rId21"/>
-    <p:sldId id="291" r:id="rId22"/>
-    <p:sldId id="260" r:id="rId23"/>
-    <p:sldId id="263" r:id="rId24"/>
+    <p:sldId id="260" r:id="rId22"/>
+    <p:sldId id="263" r:id="rId23"/>
+    <p:sldId id="291" r:id="rId24"/>
     <p:sldId id="301" r:id="rId25"/>
     <p:sldId id="265" r:id="rId26"/>
     <p:sldId id="264" r:id="rId27"/>
@@ -385,7 +385,7 @@
 <file path=ppt/revisionInfo.xml><?xml version="1.0" encoding="utf-8"?>
 <p1510:revInfo xmlns:a="http://schemas.openxmlformats.org/drawingml/2006/main" xmlns:r="http://schemas.openxmlformats.org/officeDocument/2006/relationships" xmlns:p1510="http://schemas.microsoft.com/office/powerpoint/2015/10/main">
   <p1510:revLst>
-    <p1510:client id="{C34F38B4-B165-4DB1-B78C-78B64B610B4E}" v="1365" dt="2021-12-07T23:00:20.881"/>
+    <p1510:client id="{C77301DB-15BC-49FA-8C39-F79916C491DE}" v="42" dt="2022-01-27T19:35:37.567"/>
   </p1510:revLst>
 </p1510:revInfo>
 </file>
@@ -393,20 +393,27 @@
 <file path=ppt/changesInfos/changesInfo1.xml><?xml version="1.0" encoding="utf-8"?>
 <pc:chgInfo xmlns:a="http://schemas.openxmlformats.org/drawingml/2006/main" xmlns:r="http://schemas.openxmlformats.org/officeDocument/2006/relationships" xmlns:ac="http://schemas.microsoft.com/office/drawing/2013/main/command" xmlns:pc="http://schemas.microsoft.com/office/powerpoint/2013/main/command">
   <pc:docChgLst>
-    <pc:chgData name="Cynthia Enciso" userId="7915927f-c5cf-4e1f-876d-e79882ad52fa" providerId="ADAL" clId="{E2A4B80B-47F0-4A35-82ED-AB7BCFCEFA88}"/>
-    <pc:docChg chg="undo custSel addSld modSld sldOrd">
-      <pc:chgData name="Cynthia Enciso" userId="7915927f-c5cf-4e1f-876d-e79882ad52fa" providerId="ADAL" clId="{E2A4B80B-47F0-4A35-82ED-AB7BCFCEFA88}" dt="2021-06-11T12:50:21.749" v="120" actId="5793"/>
+    <pc:chgData name="Cynthia Enciso" userId="7915927f-c5cf-4e1f-876d-e79882ad52fa" providerId="ADAL" clId="{74ADBB48-1B4C-4883-B652-9F0A5946368F}"/>
+    <pc:docChg chg="undo custSel addSld delSld modSld sldOrd">
+      <pc:chgData name="Cynthia Enciso" userId="7915927f-c5cf-4e1f-876d-e79882ad52fa" providerId="ADAL" clId="{74ADBB48-1B4C-4883-B652-9F0A5946368F}" dt="2021-10-21T21:45:08.982" v="385" actId="1076"/>
       <pc:docMkLst>
         <pc:docMk/>
       </pc:docMkLst>
+      <pc:sldChg chg="add del">
+        <pc:chgData name="Cynthia Enciso" userId="7915927f-c5cf-4e1f-876d-e79882ad52fa" providerId="ADAL" clId="{74ADBB48-1B4C-4883-B652-9F0A5946368F}" dt="2021-09-21T20:38:24.557" v="285" actId="2696"/>
+        <pc:sldMkLst>
+          <pc:docMk/>
+          <pc:sldMk cId="0" sldId="261"/>
+        </pc:sldMkLst>
+      </pc:sldChg>
       <pc:sldChg chg="modSp mod">
-        <pc:chgData name="Cynthia Enciso" userId="7915927f-c5cf-4e1f-876d-e79882ad52fa" providerId="ADAL" clId="{E2A4B80B-47F0-4A35-82ED-AB7BCFCEFA88}" dt="2021-06-10T16:41:09.630" v="28" actId="20577"/>
+        <pc:chgData name="Cynthia Enciso" userId="7915927f-c5cf-4e1f-876d-e79882ad52fa" providerId="ADAL" clId="{74ADBB48-1B4C-4883-B652-9F0A5946368F}" dt="2021-08-19T15:49:55.607" v="183" actId="20577"/>
         <pc:sldMkLst>
           <pc:docMk/>
           <pc:sldMk cId="3388659051" sldId="264"/>
         </pc:sldMkLst>
         <pc:spChg chg="mod">
-          <ac:chgData name="Cynthia Enciso" userId="7915927f-c5cf-4e1f-876d-e79882ad52fa" providerId="ADAL" clId="{E2A4B80B-47F0-4A35-82ED-AB7BCFCEFA88}" dt="2021-06-10T16:41:09.630" v="28" actId="20577"/>
+          <ac:chgData name="Cynthia Enciso" userId="7915927f-c5cf-4e1f-876d-e79882ad52fa" providerId="ADAL" clId="{74ADBB48-1B4C-4883-B652-9F0A5946368F}" dt="2021-08-19T15:49:55.607" v="183" actId="20577"/>
           <ac:spMkLst>
             <pc:docMk/>
             <pc:sldMk cId="3388659051" sldId="264"/>
@@ -414,14 +421,44 @@
           </ac:spMkLst>
         </pc:spChg>
       </pc:sldChg>
+      <pc:sldChg chg="modSp mod">
+        <pc:chgData name="Cynthia Enciso" userId="7915927f-c5cf-4e1f-876d-e79882ad52fa" providerId="ADAL" clId="{74ADBB48-1B4C-4883-B652-9F0A5946368F}" dt="2021-08-19T15:49:58.022" v="184" actId="20577"/>
+        <pc:sldMkLst>
+          <pc:docMk/>
+          <pc:sldMk cId="590930625" sldId="265"/>
+        </pc:sldMkLst>
+        <pc:spChg chg="mod">
+          <ac:chgData name="Cynthia Enciso" userId="7915927f-c5cf-4e1f-876d-e79882ad52fa" providerId="ADAL" clId="{74ADBB48-1B4C-4883-B652-9F0A5946368F}" dt="2021-08-19T15:49:58.022" v="184" actId="20577"/>
+          <ac:spMkLst>
+            <pc:docMk/>
+            <pc:sldMk cId="590930625" sldId="265"/>
+            <ac:spMk id="3" creationId="{0671786C-DDEA-4C43-B364-4FE92D028C56}"/>
+          </ac:spMkLst>
+        </pc:spChg>
+      </pc:sldChg>
+      <pc:sldChg chg="modSp mod">
+        <pc:chgData name="Cynthia Enciso" userId="7915927f-c5cf-4e1f-876d-e79882ad52fa" providerId="ADAL" clId="{74ADBB48-1B4C-4883-B652-9F0A5946368F}" dt="2021-08-05T15:31:54.225" v="23" actId="1076"/>
+        <pc:sldMkLst>
+          <pc:docMk/>
+          <pc:sldMk cId="0" sldId="269"/>
+        </pc:sldMkLst>
+        <pc:spChg chg="mod">
+          <ac:chgData name="Cynthia Enciso" userId="7915927f-c5cf-4e1f-876d-e79882ad52fa" providerId="ADAL" clId="{74ADBB48-1B4C-4883-B652-9F0A5946368F}" dt="2021-08-05T15:31:54.225" v="23" actId="1076"/>
+          <ac:spMkLst>
+            <pc:docMk/>
+            <pc:sldMk cId="0" sldId="269"/>
+            <ac:spMk id="2" creationId="{82687043-B712-4C33-A1E8-374CD13A7D94}"/>
+          </ac:spMkLst>
+        </pc:spChg>
+      </pc:sldChg>
       <pc:sldChg chg="modSp">
-        <pc:chgData name="Cynthia Enciso" userId="7915927f-c5cf-4e1f-876d-e79882ad52fa" providerId="ADAL" clId="{E2A4B80B-47F0-4A35-82ED-AB7BCFCEFA88}" dt="2021-06-11T12:50:21.749" v="120" actId="5793"/>
+        <pc:chgData name="Cynthia Enciso" userId="7915927f-c5cf-4e1f-876d-e79882ad52fa" providerId="ADAL" clId="{74ADBB48-1B4C-4883-B652-9F0A5946368F}" dt="2021-09-16T21:25:18.302" v="234" actId="20577"/>
         <pc:sldMkLst>
           <pc:docMk/>
           <pc:sldMk cId="0" sldId="270"/>
         </pc:sldMkLst>
         <pc:spChg chg="mod">
-          <ac:chgData name="Cynthia Enciso" userId="7915927f-c5cf-4e1f-876d-e79882ad52fa" providerId="ADAL" clId="{E2A4B80B-47F0-4A35-82ED-AB7BCFCEFA88}" dt="2021-06-11T12:50:21.749" v="120" actId="5793"/>
+          <ac:chgData name="Cynthia Enciso" userId="7915927f-c5cf-4e1f-876d-e79882ad52fa" providerId="ADAL" clId="{74ADBB48-1B4C-4883-B652-9F0A5946368F}" dt="2021-09-16T21:25:18.302" v="234" actId="20577"/>
           <ac:spMkLst>
             <pc:docMk/>
             <pc:sldMk cId="0" sldId="270"/>
@@ -429,37 +466,122 @@
           </ac:spMkLst>
         </pc:spChg>
       </pc:sldChg>
-      <pc:sldChg chg="ord">
-        <pc:chgData name="Cynthia Enciso" userId="7915927f-c5cf-4e1f-876d-e79882ad52fa" providerId="ADAL" clId="{E2A4B80B-47F0-4A35-82ED-AB7BCFCEFA88}" dt="2021-06-10T16:28:04.447" v="1"/>
+      <pc:sldChg chg="modSp mod">
+        <pc:chgData name="Cynthia Enciso" userId="7915927f-c5cf-4e1f-876d-e79882ad52fa" providerId="ADAL" clId="{74ADBB48-1B4C-4883-B652-9F0A5946368F}" dt="2021-08-19T15:49:53.448" v="182" actId="20577"/>
         <pc:sldMkLst>
           <pc:docMk/>
-          <pc:sldMk cId="2642164239" sldId="278"/>
+          <pc:sldMk cId="3531599630" sldId="271"/>
         </pc:sldMkLst>
+        <pc:spChg chg="mod">
+          <ac:chgData name="Cynthia Enciso" userId="7915927f-c5cf-4e1f-876d-e79882ad52fa" providerId="ADAL" clId="{74ADBB48-1B4C-4883-B652-9F0A5946368F}" dt="2021-08-19T15:49:53.448" v="182" actId="20577"/>
+          <ac:spMkLst>
+            <pc:docMk/>
+            <pc:sldMk cId="3531599630" sldId="271"/>
+            <ac:spMk id="5" creationId="{18B61DB5-1A1F-433D-9DB6-7C6CE2E59E46}"/>
+          </ac:spMkLst>
+        </pc:spChg>
       </pc:sldChg>
-      <pc:sldChg chg="addSp modSp mod">
-        <pc:chgData name="Cynthia Enciso" userId="7915927f-c5cf-4e1f-876d-e79882ad52fa" providerId="ADAL" clId="{E2A4B80B-47F0-4A35-82ED-AB7BCFCEFA88}" dt="2021-06-10T21:52:49.472" v="105" actId="1076"/>
+      <pc:sldChg chg="delSp mod">
+        <pc:chgData name="Cynthia Enciso" userId="7915927f-c5cf-4e1f-876d-e79882ad52fa" providerId="ADAL" clId="{74ADBB48-1B4C-4883-B652-9F0A5946368F}" dt="2021-10-21T19:01:58.852" v="287" actId="478"/>
+        <pc:sldMkLst>
+          <pc:docMk/>
+          <pc:sldMk cId="2501925549" sldId="272"/>
+        </pc:sldMkLst>
+        <pc:spChg chg="del">
+          <ac:chgData name="Cynthia Enciso" userId="7915927f-c5cf-4e1f-876d-e79882ad52fa" providerId="ADAL" clId="{74ADBB48-1B4C-4883-B652-9F0A5946368F}" dt="2021-10-21T19:01:58.852" v="287" actId="478"/>
+          <ac:spMkLst>
+            <pc:docMk/>
+            <pc:sldMk cId="2501925549" sldId="272"/>
+            <ac:spMk id="2" creationId="{533F8F2F-BF31-4973-BC5E-D44210B61B2F}"/>
+          </ac:spMkLst>
+        </pc:spChg>
+      </pc:sldChg>
+      <pc:sldChg chg="modSp">
+        <pc:chgData name="Cynthia Enciso" userId="7915927f-c5cf-4e1f-876d-e79882ad52fa" providerId="ADAL" clId="{74ADBB48-1B4C-4883-B652-9F0A5946368F}" dt="2021-09-16T21:47:03.138" v="253" actId="20577"/>
+        <pc:sldMkLst>
+          <pc:docMk/>
+          <pc:sldMk cId="0" sldId="273"/>
+        </pc:sldMkLst>
+        <pc:spChg chg="mod">
+          <ac:chgData name="Cynthia Enciso" userId="7915927f-c5cf-4e1f-876d-e79882ad52fa" providerId="ADAL" clId="{74ADBB48-1B4C-4883-B652-9F0A5946368F}" dt="2021-09-16T21:47:03.138" v="253" actId="20577"/>
+          <ac:spMkLst>
+            <pc:docMk/>
+            <pc:sldMk cId="0" sldId="273"/>
+            <ac:spMk id="275" creationId="{00000000-0000-0000-0000-000000000000}"/>
+          </ac:spMkLst>
+        </pc:spChg>
+      </pc:sldChg>
+      <pc:sldChg chg="delSp mod">
+        <pc:chgData name="Cynthia Enciso" userId="7915927f-c5cf-4e1f-876d-e79882ad52fa" providerId="ADAL" clId="{74ADBB48-1B4C-4883-B652-9F0A5946368F}" dt="2021-08-05T15:32:12.594" v="24" actId="478"/>
+        <pc:sldMkLst>
+          <pc:docMk/>
+          <pc:sldMk cId="0" sldId="289"/>
+        </pc:sldMkLst>
+        <pc:spChg chg="del">
+          <ac:chgData name="Cynthia Enciso" userId="7915927f-c5cf-4e1f-876d-e79882ad52fa" providerId="ADAL" clId="{74ADBB48-1B4C-4883-B652-9F0A5946368F}" dt="2021-08-05T15:32:12.594" v="24" actId="478"/>
+          <ac:spMkLst>
+            <pc:docMk/>
+            <pc:sldMk cId="0" sldId="289"/>
+            <ac:spMk id="2" creationId="{59CEDB36-EA5A-4D6A-BBC3-D9A034EAF5BA}"/>
+          </ac:spMkLst>
+        </pc:spChg>
+      </pc:sldChg>
+      <pc:sldChg chg="addSp delSp modSp mod ord">
+        <pc:chgData name="Cynthia Enciso" userId="7915927f-c5cf-4e1f-876d-e79882ad52fa" providerId="ADAL" clId="{74ADBB48-1B4C-4883-B652-9F0A5946368F}" dt="2021-10-21T21:45:08.982" v="385" actId="1076"/>
         <pc:sldMkLst>
           <pc:docMk/>
           <pc:sldMk cId="3032545414" sldId="291"/>
         </pc:sldMkLst>
-        <pc:spChg chg="add mod">
-          <ac:chgData name="Cynthia Enciso" userId="7915927f-c5cf-4e1f-876d-e79882ad52fa" providerId="ADAL" clId="{E2A4B80B-47F0-4A35-82ED-AB7BCFCEFA88}" dt="2021-06-10T16:29:02.811" v="3" actId="13822"/>
+        <pc:spChg chg="mod">
+          <ac:chgData name="Cynthia Enciso" userId="7915927f-c5cf-4e1f-876d-e79882ad52fa" providerId="ADAL" clId="{74ADBB48-1B4C-4883-B652-9F0A5946368F}" dt="2021-10-21T21:44:09.508" v="370" actId="20577"/>
           <ac:spMkLst>
             <pc:docMk/>
             <pc:sldMk cId="3032545414" sldId="291"/>
-            <ac:spMk id="9" creationId="{0F819EA5-ADB7-4799-B0A5-3ED785009F31}"/>
+            <ac:spMk id="5" creationId="{990A8885-0911-4CB7-ABF2-5AC96BE85132}"/>
           </ac:spMkLst>
         </pc:spChg>
         <pc:spChg chg="mod">
-          <ac:chgData name="Cynthia Enciso" userId="7915927f-c5cf-4e1f-876d-e79882ad52fa" providerId="ADAL" clId="{E2A4B80B-47F0-4A35-82ED-AB7BCFCEFA88}" dt="2021-06-10T21:52:29.333" v="99" actId="1076"/>
+          <ac:chgData name="Cynthia Enciso" userId="7915927f-c5cf-4e1f-876d-e79882ad52fa" providerId="ADAL" clId="{74ADBB48-1B4C-4883-B652-9F0A5946368F}" dt="2021-08-05T20:55:26.719" v="25" actId="1076"/>
+          <ac:spMkLst>
+            <pc:docMk/>
+            <pc:sldMk cId="3032545414" sldId="291"/>
+            <ac:spMk id="6" creationId="{22D6E7A6-2390-4B7C-A5C2-0033DF1E62F4}"/>
+          </ac:spMkLst>
+        </pc:spChg>
+        <pc:spChg chg="mod">
+          <ac:chgData name="Cynthia Enciso" userId="7915927f-c5cf-4e1f-876d-e79882ad52fa" providerId="ADAL" clId="{74ADBB48-1B4C-4883-B652-9F0A5946368F}" dt="2021-08-19T15:45:54.025" v="133" actId="20577"/>
+          <ac:spMkLst>
+            <pc:docMk/>
+            <pc:sldMk cId="3032545414" sldId="291"/>
+            <ac:spMk id="7" creationId="{24A80148-5AAE-44E0-B6D8-BD0BB4964CAB}"/>
+          </ac:spMkLst>
+        </pc:spChg>
+        <pc:spChg chg="mod">
+          <ac:chgData name="Cynthia Enciso" userId="7915927f-c5cf-4e1f-876d-e79882ad52fa" providerId="ADAL" clId="{74ADBB48-1B4C-4883-B652-9F0A5946368F}" dt="2021-08-19T15:47:55.521" v="178" actId="20577"/>
+          <ac:spMkLst>
+            <pc:docMk/>
+            <pc:sldMk cId="3032545414" sldId="291"/>
+            <ac:spMk id="8" creationId="{073A1162-796F-49D7-8745-903B07F51CD6}"/>
+          </ac:spMkLst>
+        </pc:spChg>
+        <pc:spChg chg="del mod">
+          <ac:chgData name="Cynthia Enciso" userId="7915927f-c5cf-4e1f-876d-e79882ad52fa" providerId="ADAL" clId="{74ADBB48-1B4C-4883-B652-9F0A5946368F}" dt="2021-08-05T21:50:15.830" v="101" actId="21"/>
           <ac:spMkLst>
             <pc:docMk/>
             <pc:sldMk cId="3032545414" sldId="291"/>
             <ac:spMk id="10" creationId="{98A8A695-F57D-49D0-BC14-9B7FB8EF71A5}"/>
           </ac:spMkLst>
         </pc:spChg>
+        <pc:spChg chg="add mod">
+          <ac:chgData name="Cynthia Enciso" userId="7915927f-c5cf-4e1f-876d-e79882ad52fa" providerId="ADAL" clId="{74ADBB48-1B4C-4883-B652-9F0A5946368F}" dt="2021-08-19T15:45:39.416" v="121" actId="1076"/>
+          <ac:spMkLst>
+            <pc:docMk/>
+            <pc:sldMk cId="3032545414" sldId="291"/>
+            <ac:spMk id="10" creationId="{C9EEC8BE-8B84-47AD-9525-8ABA05B81B97}"/>
+          </ac:spMkLst>
+        </pc:spChg>
         <pc:spChg chg="mod">
-          <ac:chgData name="Cynthia Enciso" userId="7915927f-c5cf-4e1f-876d-e79882ad52fa" providerId="ADAL" clId="{E2A4B80B-47F0-4A35-82ED-AB7BCFCEFA88}" dt="2021-06-10T21:52:49.472" v="105" actId="1076"/>
+          <ac:chgData name="Cynthia Enciso" userId="7915927f-c5cf-4e1f-876d-e79882ad52fa" providerId="ADAL" clId="{74ADBB48-1B4C-4883-B652-9F0A5946368F}" dt="2021-08-05T20:55:48.101" v="30" actId="164"/>
           <ac:spMkLst>
             <pc:docMk/>
             <pc:sldMk cId="3032545414" sldId="291"/>
@@ -467,76 +589,278 @@
           </ac:spMkLst>
         </pc:spChg>
         <pc:spChg chg="mod">
-          <ac:chgData name="Cynthia Enciso" userId="7915927f-c5cf-4e1f-876d-e79882ad52fa" providerId="ADAL" clId="{E2A4B80B-47F0-4A35-82ED-AB7BCFCEFA88}" dt="2021-06-10T21:52:48.700" v="103" actId="1076"/>
+          <ac:chgData name="Cynthia Enciso" userId="7915927f-c5cf-4e1f-876d-e79882ad52fa" providerId="ADAL" clId="{74ADBB48-1B4C-4883-B652-9F0A5946368F}" dt="2021-10-21T21:45:00.440" v="381" actId="1076"/>
           <ac:spMkLst>
             <pc:docMk/>
             <pc:sldMk cId="3032545414" sldId="291"/>
             <ac:spMk id="12" creationId="{28D010C0-A105-4CF7-8F15-B3913AFF55E0}"/>
           </ac:spMkLst>
         </pc:spChg>
-        <pc:spChg chg="add mod">
-          <ac:chgData name="Cynthia Enciso" userId="7915927f-c5cf-4e1f-876d-e79882ad52fa" providerId="ADAL" clId="{E2A4B80B-47F0-4A35-82ED-AB7BCFCEFA88}" dt="2021-06-10T21:52:18.815" v="97" actId="1076"/>
+        <pc:spChg chg="del mod">
+          <ac:chgData name="Cynthia Enciso" userId="7915927f-c5cf-4e1f-876d-e79882ad52fa" providerId="ADAL" clId="{74ADBB48-1B4C-4883-B652-9F0A5946368F}" dt="2021-08-05T21:50:15.830" v="101" actId="21"/>
           <ac:spMkLst>
             <pc:docMk/>
             <pc:sldMk cId="3032545414" sldId="291"/>
             <ac:spMk id="15" creationId="{4C1CB0CE-DC07-4732-A9FE-A656B7A25CDF}"/>
           </ac:spMkLst>
         </pc:spChg>
-        <pc:spChg chg="add mod">
-          <ac:chgData name="Cynthia Enciso" userId="7915927f-c5cf-4e1f-876d-e79882ad52fa" providerId="ADAL" clId="{E2A4B80B-47F0-4A35-82ED-AB7BCFCEFA88}" dt="2021-06-10T16:29:19.666" v="15" actId="20577"/>
+        <pc:spChg chg="mod">
+          <ac:chgData name="Cynthia Enciso" userId="7915927f-c5cf-4e1f-876d-e79882ad52fa" providerId="ADAL" clId="{74ADBB48-1B4C-4883-B652-9F0A5946368F}" dt="2021-10-21T21:44:16.525" v="373" actId="1076"/>
           <ac:spMkLst>
             <pc:docMk/>
             <pc:sldMk cId="3032545414" sldId="291"/>
             <ac:spMk id="16" creationId="{619EA338-2500-49E7-A126-F253EC4677E9}"/>
           </ac:spMkLst>
         </pc:spChg>
-        <pc:spChg chg="add mod">
-          <ac:chgData name="Cynthia Enciso" userId="7915927f-c5cf-4e1f-876d-e79882ad52fa" providerId="ADAL" clId="{E2A4B80B-47F0-4A35-82ED-AB7BCFCEFA88}" dt="2021-06-10T21:52:49.053" v="104" actId="1076"/>
+        <pc:spChg chg="mod">
+          <ac:chgData name="Cynthia Enciso" userId="7915927f-c5cf-4e1f-876d-e79882ad52fa" providerId="ADAL" clId="{74ADBB48-1B4C-4883-B652-9F0A5946368F}" dt="2021-08-05T20:55:48.101" v="30" actId="164"/>
           <ac:spMkLst>
             <pc:docMk/>
             <pc:sldMk cId="3032545414" sldId="291"/>
             <ac:spMk id="20" creationId="{F333B950-5447-4A76-B612-B3C9720D751A}"/>
           </ac:spMkLst>
         </pc:spChg>
-        <pc:cxnChg chg="add">
-          <ac:chgData name="Cynthia Enciso" userId="7915927f-c5cf-4e1f-876d-e79882ad52fa" providerId="ADAL" clId="{E2A4B80B-47F0-4A35-82ED-AB7BCFCEFA88}" dt="2021-06-10T16:29:29.847" v="16" actId="11529"/>
+        <pc:spChg chg="add mod">
+          <ac:chgData name="Cynthia Enciso" userId="7915927f-c5cf-4e1f-876d-e79882ad52fa" providerId="ADAL" clId="{74ADBB48-1B4C-4883-B652-9F0A5946368F}" dt="2021-08-19T15:45:44.233" v="127" actId="20577"/>
+          <ac:spMkLst>
+            <pc:docMk/>
+            <pc:sldMk cId="3032545414" sldId="291"/>
+            <ac:spMk id="21" creationId="{429E89AD-0AF9-42D6-9BE0-63BAE9E5D90D}"/>
+          </ac:spMkLst>
+        </pc:spChg>
+        <pc:spChg chg="add mod">
+          <ac:chgData name="Cynthia Enciso" userId="7915927f-c5cf-4e1f-876d-e79882ad52fa" providerId="ADAL" clId="{74ADBB48-1B4C-4883-B652-9F0A5946368F}" dt="2021-10-21T21:45:06.521" v="384" actId="1076"/>
+          <ac:spMkLst>
+            <pc:docMk/>
+            <pc:sldMk cId="3032545414" sldId="291"/>
+            <ac:spMk id="25" creationId="{5749021B-BBDC-4926-B503-A92E5E73FDD0}"/>
+          </ac:spMkLst>
+        </pc:spChg>
+        <pc:spChg chg="add mod">
+          <ac:chgData name="Cynthia Enciso" userId="7915927f-c5cf-4e1f-876d-e79882ad52fa" providerId="ADAL" clId="{74ADBB48-1B4C-4883-B652-9F0A5946368F}" dt="2021-10-21T21:44:21.107" v="375" actId="1076"/>
+          <ac:spMkLst>
+            <pc:docMk/>
+            <pc:sldMk cId="3032545414" sldId="291"/>
+            <ac:spMk id="26" creationId="{6DB74A2F-7643-416F-A520-314DE2B2979C}"/>
+          </ac:spMkLst>
+        </pc:spChg>
+        <pc:grpChg chg="add mod">
+          <ac:chgData name="Cynthia Enciso" userId="7915927f-c5cf-4e1f-876d-e79882ad52fa" providerId="ADAL" clId="{74ADBB48-1B4C-4883-B652-9F0A5946368F}" dt="2021-08-05T20:55:43.790" v="29" actId="164"/>
+          <ac:grpSpMkLst>
+            <pc:docMk/>
+            <pc:sldMk cId="3032545414" sldId="291"/>
+            <ac:grpSpMk id="13" creationId="{698A092A-DDD5-4981-BFD3-A057B315A7AB}"/>
+          </ac:grpSpMkLst>
+        </pc:grpChg>
+        <pc:grpChg chg="add mod">
+          <ac:chgData name="Cynthia Enciso" userId="7915927f-c5cf-4e1f-876d-e79882ad52fa" providerId="ADAL" clId="{74ADBB48-1B4C-4883-B652-9F0A5946368F}" dt="2021-10-21T21:44:58.757" v="380" actId="1076"/>
+          <ac:grpSpMkLst>
+            <pc:docMk/>
+            <pc:sldMk cId="3032545414" sldId="291"/>
+            <ac:grpSpMk id="18" creationId="{371F2F93-BCB3-4F48-9AC8-2E435E891EF4}"/>
+          </ac:grpSpMkLst>
+        </pc:grpChg>
+        <pc:cxnChg chg="mod ord">
+          <ac:chgData name="Cynthia Enciso" userId="7915927f-c5cf-4e1f-876d-e79882ad52fa" providerId="ADAL" clId="{74ADBB48-1B4C-4883-B652-9F0A5946368F}" dt="2021-10-21T21:45:02.096" v="382" actId="1076"/>
+          <ac:cxnSpMkLst>
+            <pc:docMk/>
+            <pc:sldMk cId="3032545414" sldId="291"/>
+            <ac:cxnSpMk id="14" creationId="{38F75574-C57C-40F3-B577-323AEC0F2739}"/>
+          </ac:cxnSpMkLst>
+        </pc:cxnChg>
+        <pc:cxnChg chg="mod ord">
+          <ac:chgData name="Cynthia Enciso" userId="7915927f-c5cf-4e1f-876d-e79882ad52fa" providerId="ADAL" clId="{74ADBB48-1B4C-4883-B652-9F0A5946368F}" dt="2021-10-21T21:45:08.982" v="385" actId="1076"/>
           <ac:cxnSpMkLst>
             <pc:docMk/>
             <pc:sldMk cId="3032545414" sldId="291"/>
             <ac:cxnSpMk id="17" creationId="{61944F37-4734-4249-9B16-87C1B45AEA5C}"/>
           </ac:cxnSpMkLst>
         </pc:cxnChg>
-        <pc:cxnChg chg="add">
-          <ac:chgData name="Cynthia Enciso" userId="7915927f-c5cf-4e1f-876d-e79882ad52fa" providerId="ADAL" clId="{E2A4B80B-47F0-4A35-82ED-AB7BCFCEFA88}" dt="2021-06-10T16:29:34.601" v="17" actId="11529"/>
+        <pc:cxnChg chg="del mod">
+          <ac:chgData name="Cynthia Enciso" userId="7915927f-c5cf-4e1f-876d-e79882ad52fa" providerId="ADAL" clId="{74ADBB48-1B4C-4883-B652-9F0A5946368F}" dt="2021-08-05T21:50:15.830" v="101" actId="21"/>
           <ac:cxnSpMkLst>
             <pc:docMk/>
             <pc:sldMk cId="3032545414" sldId="291"/>
             <ac:cxnSpMk id="19" creationId="{E98956B7-EFCA-4375-927F-CD135D573799}"/>
           </ac:cxnSpMkLst>
         </pc:cxnChg>
+        <pc:cxnChg chg="add mod">
+          <ac:chgData name="Cynthia Enciso" userId="7915927f-c5cf-4e1f-876d-e79882ad52fa" providerId="ADAL" clId="{74ADBB48-1B4C-4883-B652-9F0A5946368F}" dt="2021-10-21T21:45:05.092" v="383" actId="1076"/>
+          <ac:cxnSpMkLst>
+            <pc:docMk/>
+            <pc:sldMk cId="3032545414" sldId="291"/>
+            <ac:cxnSpMk id="27" creationId="{D971F377-1802-4A6B-ACC1-B8F9D7C821FE}"/>
+          </ac:cxnSpMkLst>
+        </pc:cxnChg>
       </pc:sldChg>
-      <pc:sldChg chg="modSp new mod">
-        <pc:chgData name="Cynthia Enciso" userId="7915927f-c5cf-4e1f-876d-e79882ad52fa" providerId="ADAL" clId="{E2A4B80B-47F0-4A35-82ED-AB7BCFCEFA88}" dt="2021-06-10T20:15:23.884" v="88" actId="20577"/>
+      <pc:sldChg chg="delSp modSp mod">
+        <pc:chgData name="Cynthia Enciso" userId="7915927f-c5cf-4e1f-876d-e79882ad52fa" providerId="ADAL" clId="{74ADBB48-1B4C-4883-B652-9F0A5946368F}" dt="2021-09-16T21:17:29.071" v="230" actId="20577"/>
+        <pc:sldMkLst>
+          <pc:docMk/>
+          <pc:sldMk cId="1309471508" sldId="292"/>
+        </pc:sldMkLst>
+        <pc:spChg chg="del mod">
+          <ac:chgData name="Cynthia Enciso" userId="7915927f-c5cf-4e1f-876d-e79882ad52fa" providerId="ADAL" clId="{74ADBB48-1B4C-4883-B652-9F0A5946368F}" dt="2021-08-05T15:30:32.335" v="1" actId="478"/>
+          <ac:spMkLst>
+            <pc:docMk/>
+            <pc:sldMk cId="1309471508" sldId="292"/>
+            <ac:spMk id="5" creationId="{76B7E9EB-1581-4566-96E3-DC2623DD9212}"/>
+          </ac:spMkLst>
+        </pc:spChg>
+        <pc:spChg chg="mod">
+          <ac:chgData name="Cynthia Enciso" userId="7915927f-c5cf-4e1f-876d-e79882ad52fa" providerId="ADAL" clId="{74ADBB48-1B4C-4883-B652-9F0A5946368F}" dt="2021-08-05T21:11:57.039" v="76" actId="20577"/>
+          <ac:spMkLst>
+            <pc:docMk/>
+            <pc:sldMk cId="1309471508" sldId="292"/>
+            <ac:spMk id="7" creationId="{7214B6E3-AE72-4F73-8451-92C4D1F69C13}"/>
+          </ac:spMkLst>
+        </pc:spChg>
+        <pc:spChg chg="mod">
+          <ac:chgData name="Cynthia Enciso" userId="7915927f-c5cf-4e1f-876d-e79882ad52fa" providerId="ADAL" clId="{74ADBB48-1B4C-4883-B652-9F0A5946368F}" dt="2021-09-16T21:17:29.071" v="230" actId="20577"/>
+          <ac:spMkLst>
+            <pc:docMk/>
+            <pc:sldMk cId="1309471508" sldId="292"/>
+            <ac:spMk id="8" creationId="{623B6B22-6594-46A9-8E0B-8D191E9B8EAD}"/>
+          </ac:spMkLst>
+        </pc:spChg>
+        <pc:spChg chg="mod">
+          <ac:chgData name="Cynthia Enciso" userId="7915927f-c5cf-4e1f-876d-e79882ad52fa" providerId="ADAL" clId="{74ADBB48-1B4C-4883-B652-9F0A5946368F}" dt="2021-09-16T21:17:07.283" v="229" actId="20577"/>
+          <ac:spMkLst>
+            <pc:docMk/>
+            <pc:sldMk cId="1309471508" sldId="292"/>
+            <ac:spMk id="9" creationId="{2A0DE1C8-2127-4482-9462-3454235F0035}"/>
+          </ac:spMkLst>
+        </pc:spChg>
+      </pc:sldChg>
+      <pc:sldChg chg="modSp mod">
+        <pc:chgData name="Cynthia Enciso" userId="7915927f-c5cf-4e1f-876d-e79882ad52fa" providerId="ADAL" clId="{74ADBB48-1B4C-4883-B652-9F0A5946368F}" dt="2021-10-21T20:09:04.684" v="312" actId="20577"/>
         <pc:sldMkLst>
           <pc:docMk/>
           <pc:sldMk cId="4001553928" sldId="293"/>
         </pc:sldMkLst>
         <pc:spChg chg="mod">
-          <ac:chgData name="Cynthia Enciso" userId="7915927f-c5cf-4e1f-876d-e79882ad52fa" providerId="ADAL" clId="{E2A4B80B-47F0-4A35-82ED-AB7BCFCEFA88}" dt="2021-06-10T20:15:05.172" v="35" actId="20577"/>
-          <ac:spMkLst>
-            <pc:docMk/>
-            <pc:sldMk cId="4001553928" sldId="293"/>
-            <ac:spMk id="2" creationId="{D7CD2E86-191B-42C2-A944-051DCF8B78C7}"/>
-          </ac:spMkLst>
-        </pc:spChg>
-        <pc:spChg chg="mod">
-          <ac:chgData name="Cynthia Enciso" userId="7915927f-c5cf-4e1f-876d-e79882ad52fa" providerId="ADAL" clId="{E2A4B80B-47F0-4A35-82ED-AB7BCFCEFA88}" dt="2021-06-10T20:15:23.884" v="88" actId="20577"/>
+          <ac:chgData name="Cynthia Enciso" userId="7915927f-c5cf-4e1f-876d-e79882ad52fa" providerId="ADAL" clId="{74ADBB48-1B4C-4883-B652-9F0A5946368F}" dt="2021-10-21T20:09:04.684" v="312" actId="20577"/>
           <ac:spMkLst>
             <pc:docMk/>
             <pc:sldMk cId="4001553928" sldId="293"/>
             <ac:spMk id="3" creationId="{ECA1C488-08CD-4740-97F7-1DB60F2723C7}"/>
           </ac:spMkLst>
         </pc:spChg>
+      </pc:sldChg>
+      <pc:sldChg chg="add">
+        <pc:chgData name="Cynthia Enciso" userId="7915927f-c5cf-4e1f-876d-e79882ad52fa" providerId="ADAL" clId="{74ADBB48-1B4C-4883-B652-9F0A5946368F}" dt="2021-10-21T15:18:39.765" v="286"/>
+        <pc:sldMkLst>
+          <pc:docMk/>
+          <pc:sldMk cId="3529248417" sldId="294"/>
+        </pc:sldMkLst>
+      </pc:sldChg>
+    </pc:docChg>
+  </pc:docChgLst>
+  <pc:docChgLst>
+    <pc:chgData name="Cynthia Enciso" userId="7915927f-c5cf-4e1f-876d-e79882ad52fa" providerId="ADAL" clId="{C77301DB-15BC-49FA-8C39-F79916C491DE}"/>
+    <pc:docChg chg="undo custSel delSld modSld sldOrd">
+      <pc:chgData name="Cynthia Enciso" userId="7915927f-c5cf-4e1f-876d-e79882ad52fa" providerId="ADAL" clId="{C77301DB-15BC-49FA-8C39-F79916C491DE}" dt="2022-03-09T18:36:11.984" v="64" actId="47"/>
+      <pc:docMkLst>
+        <pc:docMk/>
+      </pc:docMkLst>
+      <pc:sldChg chg="modSp modAnim">
+        <pc:chgData name="Cynthia Enciso" userId="7915927f-c5cf-4e1f-876d-e79882ad52fa" providerId="ADAL" clId="{C77301DB-15BC-49FA-8C39-F79916C491DE}" dt="2022-01-27T19:30:57.862" v="41" actId="20577"/>
+        <pc:sldMkLst>
+          <pc:docMk/>
+          <pc:sldMk cId="0" sldId="270"/>
+        </pc:sldMkLst>
+        <pc:spChg chg="mod">
+          <ac:chgData name="Cynthia Enciso" userId="7915927f-c5cf-4e1f-876d-e79882ad52fa" providerId="ADAL" clId="{C77301DB-15BC-49FA-8C39-F79916C491DE}" dt="2022-01-27T19:30:57.862" v="41" actId="20577"/>
+          <ac:spMkLst>
+            <pc:docMk/>
+            <pc:sldMk cId="0" sldId="270"/>
+            <ac:spMk id="310" creationId="{00000000-0000-0000-0000-000000000000}"/>
+          </ac:spMkLst>
+        </pc:spChg>
+      </pc:sldChg>
+      <pc:sldChg chg="modSp ord">
+        <pc:chgData name="Cynthia Enciso" userId="7915927f-c5cf-4e1f-876d-e79882ad52fa" providerId="ADAL" clId="{C77301DB-15BC-49FA-8C39-F79916C491DE}" dt="2022-03-03T23:04:23.604" v="63"/>
+        <pc:sldMkLst>
+          <pc:docMk/>
+          <pc:sldMk cId="3032545414" sldId="291"/>
+        </pc:sldMkLst>
+        <pc:spChg chg="mod">
+          <ac:chgData name="Cynthia Enciso" userId="7915927f-c5cf-4e1f-876d-e79882ad52fa" providerId="ADAL" clId="{C77301DB-15BC-49FA-8C39-F79916C491DE}" dt="2022-01-27T19:35:37.567" v="42" actId="20577"/>
+          <ac:spMkLst>
+            <pc:docMk/>
+            <pc:sldMk cId="3032545414" sldId="291"/>
+            <ac:spMk id="5" creationId="{990A8885-0911-4CB7-ABF2-5AC96BE85132}"/>
+          </ac:spMkLst>
+        </pc:spChg>
+      </pc:sldChg>
+      <pc:sldChg chg="modSp mod">
+        <pc:chgData name="Cynthia Enciso" userId="7915927f-c5cf-4e1f-876d-e79882ad52fa" providerId="ADAL" clId="{C77301DB-15BC-49FA-8C39-F79916C491DE}" dt="2022-03-03T22:24:53.469" v="61" actId="1076"/>
+        <pc:sldMkLst>
+          <pc:docMk/>
+          <pc:sldMk cId="1309471508" sldId="292"/>
+        </pc:sldMkLst>
+        <pc:spChg chg="mod">
+          <ac:chgData name="Cynthia Enciso" userId="7915927f-c5cf-4e1f-876d-e79882ad52fa" providerId="ADAL" clId="{C77301DB-15BC-49FA-8C39-F79916C491DE}" dt="2022-01-27T19:15:49.251" v="0" actId="20577"/>
+          <ac:spMkLst>
+            <pc:docMk/>
+            <pc:sldMk cId="1309471508" sldId="292"/>
+            <ac:spMk id="7" creationId="{7214B6E3-AE72-4F73-8451-92C4D1F69C13}"/>
+          </ac:spMkLst>
+        </pc:spChg>
+        <pc:spChg chg="mod">
+          <ac:chgData name="Cynthia Enciso" userId="7915927f-c5cf-4e1f-876d-e79882ad52fa" providerId="ADAL" clId="{C77301DB-15BC-49FA-8C39-F79916C491DE}" dt="2022-03-03T22:24:53.064" v="60" actId="1076"/>
+          <ac:spMkLst>
+            <pc:docMk/>
+            <pc:sldMk cId="1309471508" sldId="292"/>
+            <ac:spMk id="9" creationId="{2A0DE1C8-2127-4482-9462-3454235F0035}"/>
+          </ac:spMkLst>
+        </pc:spChg>
+        <pc:grpChg chg="mod">
+          <ac:chgData name="Cynthia Enciso" userId="7915927f-c5cf-4e1f-876d-e79882ad52fa" providerId="ADAL" clId="{C77301DB-15BC-49FA-8C39-F79916C491DE}" dt="2022-03-03T22:24:35.472" v="57" actId="1076"/>
+          <ac:grpSpMkLst>
+            <pc:docMk/>
+            <pc:sldMk cId="1309471508" sldId="292"/>
+            <ac:grpSpMk id="45" creationId="{BF3535CC-AAD7-41F6-B066-8C6017F1BF4F}"/>
+          </ac:grpSpMkLst>
+        </pc:grpChg>
+        <pc:cxnChg chg="mod">
+          <ac:chgData name="Cynthia Enciso" userId="7915927f-c5cf-4e1f-876d-e79882ad52fa" providerId="ADAL" clId="{C77301DB-15BC-49FA-8C39-F79916C491DE}" dt="2022-03-03T22:24:53.469" v="61" actId="1076"/>
+          <ac:cxnSpMkLst>
+            <pc:docMk/>
+            <pc:sldMk cId="1309471508" sldId="292"/>
+            <ac:cxnSpMk id="12" creationId="{020FBF8E-7D98-48FB-8B33-29A513B9E00B}"/>
+          </ac:cxnSpMkLst>
+        </pc:cxnChg>
+      </pc:sldChg>
+      <pc:sldChg chg="modSp mod ord">
+        <pc:chgData name="Cynthia Enciso" userId="7915927f-c5cf-4e1f-876d-e79882ad52fa" providerId="ADAL" clId="{C77301DB-15BC-49FA-8C39-F79916C491DE}" dt="2022-03-03T22:10:48.093" v="48"/>
+        <pc:sldMkLst>
+          <pc:docMk/>
+          <pc:sldMk cId="3677310880" sldId="296"/>
+        </pc:sldMkLst>
+        <pc:spChg chg="mod">
+          <ac:chgData name="Cynthia Enciso" userId="7915927f-c5cf-4e1f-876d-e79882ad52fa" providerId="ADAL" clId="{C77301DB-15BC-49FA-8C39-F79916C491DE}" dt="2022-01-27T22:11:05.585" v="43" actId="20577"/>
+          <ac:spMkLst>
+            <pc:docMk/>
+            <pc:sldMk cId="3677310880" sldId="296"/>
+            <ac:spMk id="3" creationId="{457C2011-059E-4345-86D9-8E6015D46FD3}"/>
+          </ac:spMkLst>
+        </pc:spChg>
+        <pc:spChg chg="mod">
+          <ac:chgData name="Cynthia Enciso" userId="7915927f-c5cf-4e1f-876d-e79882ad52fa" providerId="ADAL" clId="{C77301DB-15BC-49FA-8C39-F79916C491DE}" dt="2022-01-27T22:11:42.962" v="44" actId="20577"/>
+          <ac:spMkLst>
+            <pc:docMk/>
+            <pc:sldMk cId="3677310880" sldId="296"/>
+            <ac:spMk id="6" creationId="{32F2B94E-1C5A-4D1E-850F-B8F3C036B984}"/>
+          </ac:spMkLst>
+        </pc:spChg>
+      </pc:sldChg>
+      <pc:sldChg chg="del ord">
+        <pc:chgData name="Cynthia Enciso" userId="7915927f-c5cf-4e1f-876d-e79882ad52fa" providerId="ADAL" clId="{C77301DB-15BC-49FA-8C39-F79916C491DE}" dt="2022-03-09T18:36:11.984" v="64" actId="47"/>
+        <pc:sldMkLst>
+          <pc:docMk/>
+          <pc:sldMk cId="4011487037" sldId="302"/>
+        </pc:sldMkLst>
       </pc:sldChg>
     </pc:docChg>
   </pc:docChgLst>
@@ -1689,27 +2013,20 @@
     </pc:docChg>
   </pc:docChgLst>
   <pc:docChgLst>
-    <pc:chgData name="Cynthia Enciso" userId="7915927f-c5cf-4e1f-876d-e79882ad52fa" providerId="ADAL" clId="{74ADBB48-1B4C-4883-B652-9F0A5946368F}"/>
-    <pc:docChg chg="undo custSel addSld delSld modSld sldOrd">
-      <pc:chgData name="Cynthia Enciso" userId="7915927f-c5cf-4e1f-876d-e79882ad52fa" providerId="ADAL" clId="{74ADBB48-1B4C-4883-B652-9F0A5946368F}" dt="2021-10-21T21:45:08.982" v="385" actId="1076"/>
+    <pc:chgData name="Cynthia Enciso" userId="7915927f-c5cf-4e1f-876d-e79882ad52fa" providerId="ADAL" clId="{E2A4B80B-47F0-4A35-82ED-AB7BCFCEFA88}"/>
+    <pc:docChg chg="undo custSel addSld modSld sldOrd">
+      <pc:chgData name="Cynthia Enciso" userId="7915927f-c5cf-4e1f-876d-e79882ad52fa" providerId="ADAL" clId="{E2A4B80B-47F0-4A35-82ED-AB7BCFCEFA88}" dt="2021-06-11T12:50:21.749" v="120" actId="5793"/>
       <pc:docMkLst>
         <pc:docMk/>
       </pc:docMkLst>
-      <pc:sldChg chg="add del">
-        <pc:chgData name="Cynthia Enciso" userId="7915927f-c5cf-4e1f-876d-e79882ad52fa" providerId="ADAL" clId="{74ADBB48-1B4C-4883-B652-9F0A5946368F}" dt="2021-09-21T20:38:24.557" v="285" actId="2696"/>
-        <pc:sldMkLst>
-          <pc:docMk/>
-          <pc:sldMk cId="0" sldId="261"/>
-        </pc:sldMkLst>
-      </pc:sldChg>
       <pc:sldChg chg="modSp mod">
-        <pc:chgData name="Cynthia Enciso" userId="7915927f-c5cf-4e1f-876d-e79882ad52fa" providerId="ADAL" clId="{74ADBB48-1B4C-4883-B652-9F0A5946368F}" dt="2021-08-19T15:49:55.607" v="183" actId="20577"/>
+        <pc:chgData name="Cynthia Enciso" userId="7915927f-c5cf-4e1f-876d-e79882ad52fa" providerId="ADAL" clId="{E2A4B80B-47F0-4A35-82ED-AB7BCFCEFA88}" dt="2021-06-10T16:41:09.630" v="28" actId="20577"/>
         <pc:sldMkLst>
           <pc:docMk/>
           <pc:sldMk cId="3388659051" sldId="264"/>
         </pc:sldMkLst>
         <pc:spChg chg="mod">
-          <ac:chgData name="Cynthia Enciso" userId="7915927f-c5cf-4e1f-876d-e79882ad52fa" providerId="ADAL" clId="{74ADBB48-1B4C-4883-B652-9F0A5946368F}" dt="2021-08-19T15:49:55.607" v="183" actId="20577"/>
+          <ac:chgData name="Cynthia Enciso" userId="7915927f-c5cf-4e1f-876d-e79882ad52fa" providerId="ADAL" clId="{E2A4B80B-47F0-4A35-82ED-AB7BCFCEFA88}" dt="2021-06-10T16:41:09.630" v="28" actId="20577"/>
           <ac:spMkLst>
             <pc:docMk/>
             <pc:sldMk cId="3388659051" sldId="264"/>
@@ -1717,44 +2034,14 @@
           </ac:spMkLst>
         </pc:spChg>
       </pc:sldChg>
-      <pc:sldChg chg="modSp mod">
-        <pc:chgData name="Cynthia Enciso" userId="7915927f-c5cf-4e1f-876d-e79882ad52fa" providerId="ADAL" clId="{74ADBB48-1B4C-4883-B652-9F0A5946368F}" dt="2021-08-19T15:49:58.022" v="184" actId="20577"/>
-        <pc:sldMkLst>
-          <pc:docMk/>
-          <pc:sldMk cId="590930625" sldId="265"/>
-        </pc:sldMkLst>
-        <pc:spChg chg="mod">
-          <ac:chgData name="Cynthia Enciso" userId="7915927f-c5cf-4e1f-876d-e79882ad52fa" providerId="ADAL" clId="{74ADBB48-1B4C-4883-B652-9F0A5946368F}" dt="2021-08-19T15:49:58.022" v="184" actId="20577"/>
-          <ac:spMkLst>
-            <pc:docMk/>
-            <pc:sldMk cId="590930625" sldId="265"/>
-            <ac:spMk id="3" creationId="{0671786C-DDEA-4C43-B364-4FE92D028C56}"/>
-          </ac:spMkLst>
-        </pc:spChg>
-      </pc:sldChg>
-      <pc:sldChg chg="modSp mod">
-        <pc:chgData name="Cynthia Enciso" userId="7915927f-c5cf-4e1f-876d-e79882ad52fa" providerId="ADAL" clId="{74ADBB48-1B4C-4883-B652-9F0A5946368F}" dt="2021-08-05T15:31:54.225" v="23" actId="1076"/>
-        <pc:sldMkLst>
-          <pc:docMk/>
-          <pc:sldMk cId="0" sldId="269"/>
-        </pc:sldMkLst>
-        <pc:spChg chg="mod">
-          <ac:chgData name="Cynthia Enciso" userId="7915927f-c5cf-4e1f-876d-e79882ad52fa" providerId="ADAL" clId="{74ADBB48-1B4C-4883-B652-9F0A5946368F}" dt="2021-08-05T15:31:54.225" v="23" actId="1076"/>
-          <ac:spMkLst>
-            <pc:docMk/>
-            <pc:sldMk cId="0" sldId="269"/>
-            <ac:spMk id="2" creationId="{82687043-B712-4C33-A1E8-374CD13A7D94}"/>
-          </ac:spMkLst>
-        </pc:spChg>
-      </pc:sldChg>
       <pc:sldChg chg="modSp">
-        <pc:chgData name="Cynthia Enciso" userId="7915927f-c5cf-4e1f-876d-e79882ad52fa" providerId="ADAL" clId="{74ADBB48-1B4C-4883-B652-9F0A5946368F}" dt="2021-09-16T21:25:18.302" v="234" actId="20577"/>
+        <pc:chgData name="Cynthia Enciso" userId="7915927f-c5cf-4e1f-876d-e79882ad52fa" providerId="ADAL" clId="{E2A4B80B-47F0-4A35-82ED-AB7BCFCEFA88}" dt="2021-06-11T12:50:21.749" v="120" actId="5793"/>
         <pc:sldMkLst>
           <pc:docMk/>
           <pc:sldMk cId="0" sldId="270"/>
         </pc:sldMkLst>
         <pc:spChg chg="mod">
-          <ac:chgData name="Cynthia Enciso" userId="7915927f-c5cf-4e1f-876d-e79882ad52fa" providerId="ADAL" clId="{74ADBB48-1B4C-4883-B652-9F0A5946368F}" dt="2021-09-16T21:25:18.302" v="234" actId="20577"/>
+          <ac:chgData name="Cynthia Enciso" userId="7915927f-c5cf-4e1f-876d-e79882ad52fa" providerId="ADAL" clId="{E2A4B80B-47F0-4A35-82ED-AB7BCFCEFA88}" dt="2021-06-11T12:50:21.749" v="120" actId="5793"/>
           <ac:spMkLst>
             <pc:docMk/>
             <pc:sldMk cId="0" sldId="270"/>
@@ -1762,122 +2049,37 @@
           </ac:spMkLst>
         </pc:spChg>
       </pc:sldChg>
-      <pc:sldChg chg="modSp mod">
-        <pc:chgData name="Cynthia Enciso" userId="7915927f-c5cf-4e1f-876d-e79882ad52fa" providerId="ADAL" clId="{74ADBB48-1B4C-4883-B652-9F0A5946368F}" dt="2021-08-19T15:49:53.448" v="182" actId="20577"/>
+      <pc:sldChg chg="ord">
+        <pc:chgData name="Cynthia Enciso" userId="7915927f-c5cf-4e1f-876d-e79882ad52fa" providerId="ADAL" clId="{E2A4B80B-47F0-4A35-82ED-AB7BCFCEFA88}" dt="2021-06-10T16:28:04.447" v="1"/>
         <pc:sldMkLst>
           <pc:docMk/>
-          <pc:sldMk cId="3531599630" sldId="271"/>
+          <pc:sldMk cId="2642164239" sldId="278"/>
         </pc:sldMkLst>
-        <pc:spChg chg="mod">
-          <ac:chgData name="Cynthia Enciso" userId="7915927f-c5cf-4e1f-876d-e79882ad52fa" providerId="ADAL" clId="{74ADBB48-1B4C-4883-B652-9F0A5946368F}" dt="2021-08-19T15:49:53.448" v="182" actId="20577"/>
-          <ac:spMkLst>
-            <pc:docMk/>
-            <pc:sldMk cId="3531599630" sldId="271"/>
-            <ac:spMk id="5" creationId="{18B61DB5-1A1F-433D-9DB6-7C6CE2E59E46}"/>
-          </ac:spMkLst>
-        </pc:spChg>
       </pc:sldChg>
-      <pc:sldChg chg="delSp mod">
-        <pc:chgData name="Cynthia Enciso" userId="7915927f-c5cf-4e1f-876d-e79882ad52fa" providerId="ADAL" clId="{74ADBB48-1B4C-4883-B652-9F0A5946368F}" dt="2021-10-21T19:01:58.852" v="287" actId="478"/>
-        <pc:sldMkLst>
-          <pc:docMk/>
-          <pc:sldMk cId="2501925549" sldId="272"/>
-        </pc:sldMkLst>
-        <pc:spChg chg="del">
-          <ac:chgData name="Cynthia Enciso" userId="7915927f-c5cf-4e1f-876d-e79882ad52fa" providerId="ADAL" clId="{74ADBB48-1B4C-4883-B652-9F0A5946368F}" dt="2021-10-21T19:01:58.852" v="287" actId="478"/>
-          <ac:spMkLst>
-            <pc:docMk/>
-            <pc:sldMk cId="2501925549" sldId="272"/>
-            <ac:spMk id="2" creationId="{533F8F2F-BF31-4973-BC5E-D44210B61B2F}"/>
-          </ac:spMkLst>
-        </pc:spChg>
-      </pc:sldChg>
-      <pc:sldChg chg="modSp">
-        <pc:chgData name="Cynthia Enciso" userId="7915927f-c5cf-4e1f-876d-e79882ad52fa" providerId="ADAL" clId="{74ADBB48-1B4C-4883-B652-9F0A5946368F}" dt="2021-09-16T21:47:03.138" v="253" actId="20577"/>
-        <pc:sldMkLst>
-          <pc:docMk/>
-          <pc:sldMk cId="0" sldId="273"/>
-        </pc:sldMkLst>
-        <pc:spChg chg="mod">
-          <ac:chgData name="Cynthia Enciso" userId="7915927f-c5cf-4e1f-876d-e79882ad52fa" providerId="ADAL" clId="{74ADBB48-1B4C-4883-B652-9F0A5946368F}" dt="2021-09-16T21:47:03.138" v="253" actId="20577"/>
-          <ac:spMkLst>
-            <pc:docMk/>
-            <pc:sldMk cId="0" sldId="273"/>
-            <ac:spMk id="275" creationId="{00000000-0000-0000-0000-000000000000}"/>
-          </ac:spMkLst>
-        </pc:spChg>
-      </pc:sldChg>
-      <pc:sldChg chg="delSp mod">
-        <pc:chgData name="Cynthia Enciso" userId="7915927f-c5cf-4e1f-876d-e79882ad52fa" providerId="ADAL" clId="{74ADBB48-1B4C-4883-B652-9F0A5946368F}" dt="2021-08-05T15:32:12.594" v="24" actId="478"/>
-        <pc:sldMkLst>
-          <pc:docMk/>
-          <pc:sldMk cId="0" sldId="289"/>
-        </pc:sldMkLst>
-        <pc:spChg chg="del">
-          <ac:chgData name="Cynthia Enciso" userId="7915927f-c5cf-4e1f-876d-e79882ad52fa" providerId="ADAL" clId="{74ADBB48-1B4C-4883-B652-9F0A5946368F}" dt="2021-08-05T15:32:12.594" v="24" actId="478"/>
-          <ac:spMkLst>
-            <pc:docMk/>
-            <pc:sldMk cId="0" sldId="289"/>
-            <ac:spMk id="2" creationId="{59CEDB36-EA5A-4D6A-BBC3-D9A034EAF5BA}"/>
-          </ac:spMkLst>
-        </pc:spChg>
-      </pc:sldChg>
-      <pc:sldChg chg="addSp delSp modSp mod ord">
-        <pc:chgData name="Cynthia Enciso" userId="7915927f-c5cf-4e1f-876d-e79882ad52fa" providerId="ADAL" clId="{74ADBB48-1B4C-4883-B652-9F0A5946368F}" dt="2021-10-21T21:45:08.982" v="385" actId="1076"/>
+      <pc:sldChg chg="addSp modSp mod">
+        <pc:chgData name="Cynthia Enciso" userId="7915927f-c5cf-4e1f-876d-e79882ad52fa" providerId="ADAL" clId="{E2A4B80B-47F0-4A35-82ED-AB7BCFCEFA88}" dt="2021-06-10T21:52:49.472" v="105" actId="1076"/>
         <pc:sldMkLst>
           <pc:docMk/>
           <pc:sldMk cId="3032545414" sldId="291"/>
         </pc:sldMkLst>
-        <pc:spChg chg="mod">
-          <ac:chgData name="Cynthia Enciso" userId="7915927f-c5cf-4e1f-876d-e79882ad52fa" providerId="ADAL" clId="{74ADBB48-1B4C-4883-B652-9F0A5946368F}" dt="2021-10-21T21:44:09.508" v="370" actId="20577"/>
+        <pc:spChg chg="add mod">
+          <ac:chgData name="Cynthia Enciso" userId="7915927f-c5cf-4e1f-876d-e79882ad52fa" providerId="ADAL" clId="{E2A4B80B-47F0-4A35-82ED-AB7BCFCEFA88}" dt="2021-06-10T16:29:02.811" v="3" actId="13822"/>
           <ac:spMkLst>
             <pc:docMk/>
             <pc:sldMk cId="3032545414" sldId="291"/>
-            <ac:spMk id="5" creationId="{990A8885-0911-4CB7-ABF2-5AC96BE85132}"/>
+            <ac:spMk id="9" creationId="{0F819EA5-ADB7-4799-B0A5-3ED785009F31}"/>
           </ac:spMkLst>
         </pc:spChg>
         <pc:spChg chg="mod">
-          <ac:chgData name="Cynthia Enciso" userId="7915927f-c5cf-4e1f-876d-e79882ad52fa" providerId="ADAL" clId="{74ADBB48-1B4C-4883-B652-9F0A5946368F}" dt="2021-08-05T20:55:26.719" v="25" actId="1076"/>
-          <ac:spMkLst>
-            <pc:docMk/>
-            <pc:sldMk cId="3032545414" sldId="291"/>
-            <ac:spMk id="6" creationId="{22D6E7A6-2390-4B7C-A5C2-0033DF1E62F4}"/>
-          </ac:spMkLst>
-        </pc:spChg>
-        <pc:spChg chg="mod">
-          <ac:chgData name="Cynthia Enciso" userId="7915927f-c5cf-4e1f-876d-e79882ad52fa" providerId="ADAL" clId="{74ADBB48-1B4C-4883-B652-9F0A5946368F}" dt="2021-08-19T15:45:54.025" v="133" actId="20577"/>
-          <ac:spMkLst>
-            <pc:docMk/>
-            <pc:sldMk cId="3032545414" sldId="291"/>
-            <ac:spMk id="7" creationId="{24A80148-5AAE-44E0-B6D8-BD0BB4964CAB}"/>
-          </ac:spMkLst>
-        </pc:spChg>
-        <pc:spChg chg="mod">
-          <ac:chgData name="Cynthia Enciso" userId="7915927f-c5cf-4e1f-876d-e79882ad52fa" providerId="ADAL" clId="{74ADBB48-1B4C-4883-B652-9F0A5946368F}" dt="2021-08-19T15:47:55.521" v="178" actId="20577"/>
-          <ac:spMkLst>
-            <pc:docMk/>
-            <pc:sldMk cId="3032545414" sldId="291"/>
-            <ac:spMk id="8" creationId="{073A1162-796F-49D7-8745-903B07F51CD6}"/>
-          </ac:spMkLst>
-        </pc:spChg>
-        <pc:spChg chg="del mod">
-          <ac:chgData name="Cynthia Enciso" userId="7915927f-c5cf-4e1f-876d-e79882ad52fa" providerId="ADAL" clId="{74ADBB48-1B4C-4883-B652-9F0A5946368F}" dt="2021-08-05T21:50:15.830" v="101" actId="21"/>
+          <ac:chgData name="Cynthia Enciso" userId="7915927f-c5cf-4e1f-876d-e79882ad52fa" providerId="ADAL" clId="{E2A4B80B-47F0-4A35-82ED-AB7BCFCEFA88}" dt="2021-06-10T21:52:29.333" v="99" actId="1076"/>
           <ac:spMkLst>
             <pc:docMk/>
             <pc:sldMk cId="3032545414" sldId="291"/>
             <ac:spMk id="10" creationId="{98A8A695-F57D-49D0-BC14-9B7FB8EF71A5}"/>
           </ac:spMkLst>
         </pc:spChg>
-        <pc:spChg chg="add mod">
-          <ac:chgData name="Cynthia Enciso" userId="7915927f-c5cf-4e1f-876d-e79882ad52fa" providerId="ADAL" clId="{74ADBB48-1B4C-4883-B652-9F0A5946368F}" dt="2021-08-19T15:45:39.416" v="121" actId="1076"/>
-          <ac:spMkLst>
-            <pc:docMk/>
-            <pc:sldMk cId="3032545414" sldId="291"/>
-            <ac:spMk id="10" creationId="{C9EEC8BE-8B84-47AD-9525-8ABA05B81B97}"/>
-          </ac:spMkLst>
-        </pc:spChg>
         <pc:spChg chg="mod">
-          <ac:chgData name="Cynthia Enciso" userId="7915927f-c5cf-4e1f-876d-e79882ad52fa" providerId="ADAL" clId="{74ADBB48-1B4C-4883-B652-9F0A5946368F}" dt="2021-08-05T20:55:48.101" v="30" actId="164"/>
+          <ac:chgData name="Cynthia Enciso" userId="7915927f-c5cf-4e1f-876d-e79882ad52fa" providerId="ADAL" clId="{E2A4B80B-47F0-4A35-82ED-AB7BCFCEFA88}" dt="2021-06-10T21:52:49.472" v="105" actId="1076"/>
           <ac:spMkLst>
             <pc:docMk/>
             <pc:sldMk cId="3032545414" sldId="291"/>
@@ -1885,170 +2087,76 @@
           </ac:spMkLst>
         </pc:spChg>
         <pc:spChg chg="mod">
-          <ac:chgData name="Cynthia Enciso" userId="7915927f-c5cf-4e1f-876d-e79882ad52fa" providerId="ADAL" clId="{74ADBB48-1B4C-4883-B652-9F0A5946368F}" dt="2021-10-21T21:45:00.440" v="381" actId="1076"/>
+          <ac:chgData name="Cynthia Enciso" userId="7915927f-c5cf-4e1f-876d-e79882ad52fa" providerId="ADAL" clId="{E2A4B80B-47F0-4A35-82ED-AB7BCFCEFA88}" dt="2021-06-10T21:52:48.700" v="103" actId="1076"/>
           <ac:spMkLst>
             <pc:docMk/>
             <pc:sldMk cId="3032545414" sldId="291"/>
             <ac:spMk id="12" creationId="{28D010C0-A105-4CF7-8F15-B3913AFF55E0}"/>
           </ac:spMkLst>
         </pc:spChg>
-        <pc:spChg chg="del mod">
-          <ac:chgData name="Cynthia Enciso" userId="7915927f-c5cf-4e1f-876d-e79882ad52fa" providerId="ADAL" clId="{74ADBB48-1B4C-4883-B652-9F0A5946368F}" dt="2021-08-05T21:50:15.830" v="101" actId="21"/>
+        <pc:spChg chg="add mod">
+          <ac:chgData name="Cynthia Enciso" userId="7915927f-c5cf-4e1f-876d-e79882ad52fa" providerId="ADAL" clId="{E2A4B80B-47F0-4A35-82ED-AB7BCFCEFA88}" dt="2021-06-10T21:52:18.815" v="97" actId="1076"/>
           <ac:spMkLst>
             <pc:docMk/>
             <pc:sldMk cId="3032545414" sldId="291"/>
             <ac:spMk id="15" creationId="{4C1CB0CE-DC07-4732-A9FE-A656B7A25CDF}"/>
           </ac:spMkLst>
         </pc:spChg>
-        <pc:spChg chg="mod">
-          <ac:chgData name="Cynthia Enciso" userId="7915927f-c5cf-4e1f-876d-e79882ad52fa" providerId="ADAL" clId="{74ADBB48-1B4C-4883-B652-9F0A5946368F}" dt="2021-10-21T21:44:16.525" v="373" actId="1076"/>
+        <pc:spChg chg="add mod">
+          <ac:chgData name="Cynthia Enciso" userId="7915927f-c5cf-4e1f-876d-e79882ad52fa" providerId="ADAL" clId="{E2A4B80B-47F0-4A35-82ED-AB7BCFCEFA88}" dt="2021-06-10T16:29:19.666" v="15" actId="20577"/>
           <ac:spMkLst>
             <pc:docMk/>
             <pc:sldMk cId="3032545414" sldId="291"/>
             <ac:spMk id="16" creationId="{619EA338-2500-49E7-A126-F253EC4677E9}"/>
           </ac:spMkLst>
         </pc:spChg>
-        <pc:spChg chg="mod">
-          <ac:chgData name="Cynthia Enciso" userId="7915927f-c5cf-4e1f-876d-e79882ad52fa" providerId="ADAL" clId="{74ADBB48-1B4C-4883-B652-9F0A5946368F}" dt="2021-08-05T20:55:48.101" v="30" actId="164"/>
+        <pc:spChg chg="add mod">
+          <ac:chgData name="Cynthia Enciso" userId="7915927f-c5cf-4e1f-876d-e79882ad52fa" providerId="ADAL" clId="{E2A4B80B-47F0-4A35-82ED-AB7BCFCEFA88}" dt="2021-06-10T21:52:49.053" v="104" actId="1076"/>
           <ac:spMkLst>
             <pc:docMk/>
             <pc:sldMk cId="3032545414" sldId="291"/>
             <ac:spMk id="20" creationId="{F333B950-5447-4A76-B612-B3C9720D751A}"/>
           </ac:spMkLst>
         </pc:spChg>
-        <pc:spChg chg="add mod">
-          <ac:chgData name="Cynthia Enciso" userId="7915927f-c5cf-4e1f-876d-e79882ad52fa" providerId="ADAL" clId="{74ADBB48-1B4C-4883-B652-9F0A5946368F}" dt="2021-08-19T15:45:44.233" v="127" actId="20577"/>
-          <ac:spMkLst>
-            <pc:docMk/>
-            <pc:sldMk cId="3032545414" sldId="291"/>
-            <ac:spMk id="21" creationId="{429E89AD-0AF9-42D6-9BE0-63BAE9E5D90D}"/>
-          </ac:spMkLst>
-        </pc:spChg>
-        <pc:spChg chg="add mod">
-          <ac:chgData name="Cynthia Enciso" userId="7915927f-c5cf-4e1f-876d-e79882ad52fa" providerId="ADAL" clId="{74ADBB48-1B4C-4883-B652-9F0A5946368F}" dt="2021-10-21T21:45:06.521" v="384" actId="1076"/>
-          <ac:spMkLst>
-            <pc:docMk/>
-            <pc:sldMk cId="3032545414" sldId="291"/>
-            <ac:spMk id="25" creationId="{5749021B-BBDC-4926-B503-A92E5E73FDD0}"/>
-          </ac:spMkLst>
-        </pc:spChg>
-        <pc:spChg chg="add mod">
-          <ac:chgData name="Cynthia Enciso" userId="7915927f-c5cf-4e1f-876d-e79882ad52fa" providerId="ADAL" clId="{74ADBB48-1B4C-4883-B652-9F0A5946368F}" dt="2021-10-21T21:44:21.107" v="375" actId="1076"/>
-          <ac:spMkLst>
-            <pc:docMk/>
-            <pc:sldMk cId="3032545414" sldId="291"/>
-            <ac:spMk id="26" creationId="{6DB74A2F-7643-416F-A520-314DE2B2979C}"/>
-          </ac:spMkLst>
-        </pc:spChg>
-        <pc:grpChg chg="add mod">
-          <ac:chgData name="Cynthia Enciso" userId="7915927f-c5cf-4e1f-876d-e79882ad52fa" providerId="ADAL" clId="{74ADBB48-1B4C-4883-B652-9F0A5946368F}" dt="2021-08-05T20:55:43.790" v="29" actId="164"/>
-          <ac:grpSpMkLst>
-            <pc:docMk/>
-            <pc:sldMk cId="3032545414" sldId="291"/>
-            <ac:grpSpMk id="13" creationId="{698A092A-DDD5-4981-BFD3-A057B315A7AB}"/>
-          </ac:grpSpMkLst>
-        </pc:grpChg>
-        <pc:grpChg chg="add mod">
-          <ac:chgData name="Cynthia Enciso" userId="7915927f-c5cf-4e1f-876d-e79882ad52fa" providerId="ADAL" clId="{74ADBB48-1B4C-4883-B652-9F0A5946368F}" dt="2021-10-21T21:44:58.757" v="380" actId="1076"/>
-          <ac:grpSpMkLst>
-            <pc:docMk/>
-            <pc:sldMk cId="3032545414" sldId="291"/>
-            <ac:grpSpMk id="18" creationId="{371F2F93-BCB3-4F48-9AC8-2E435E891EF4}"/>
-          </ac:grpSpMkLst>
-        </pc:grpChg>
-        <pc:cxnChg chg="mod ord">
-          <ac:chgData name="Cynthia Enciso" userId="7915927f-c5cf-4e1f-876d-e79882ad52fa" providerId="ADAL" clId="{74ADBB48-1B4C-4883-B652-9F0A5946368F}" dt="2021-10-21T21:45:02.096" v="382" actId="1076"/>
-          <ac:cxnSpMkLst>
-            <pc:docMk/>
-            <pc:sldMk cId="3032545414" sldId="291"/>
-            <ac:cxnSpMk id="14" creationId="{38F75574-C57C-40F3-B577-323AEC0F2739}"/>
-          </ac:cxnSpMkLst>
-        </pc:cxnChg>
-        <pc:cxnChg chg="mod ord">
-          <ac:chgData name="Cynthia Enciso" userId="7915927f-c5cf-4e1f-876d-e79882ad52fa" providerId="ADAL" clId="{74ADBB48-1B4C-4883-B652-9F0A5946368F}" dt="2021-10-21T21:45:08.982" v="385" actId="1076"/>
+        <pc:cxnChg chg="add">
+          <ac:chgData name="Cynthia Enciso" userId="7915927f-c5cf-4e1f-876d-e79882ad52fa" providerId="ADAL" clId="{E2A4B80B-47F0-4A35-82ED-AB7BCFCEFA88}" dt="2021-06-10T16:29:29.847" v="16" actId="11529"/>
           <ac:cxnSpMkLst>
             <pc:docMk/>
             <pc:sldMk cId="3032545414" sldId="291"/>
             <ac:cxnSpMk id="17" creationId="{61944F37-4734-4249-9B16-87C1B45AEA5C}"/>
           </ac:cxnSpMkLst>
         </pc:cxnChg>
-        <pc:cxnChg chg="del mod">
-          <ac:chgData name="Cynthia Enciso" userId="7915927f-c5cf-4e1f-876d-e79882ad52fa" providerId="ADAL" clId="{74ADBB48-1B4C-4883-B652-9F0A5946368F}" dt="2021-08-05T21:50:15.830" v="101" actId="21"/>
+        <pc:cxnChg chg="add">
+          <ac:chgData name="Cynthia Enciso" userId="7915927f-c5cf-4e1f-876d-e79882ad52fa" providerId="ADAL" clId="{E2A4B80B-47F0-4A35-82ED-AB7BCFCEFA88}" dt="2021-06-10T16:29:34.601" v="17" actId="11529"/>
           <ac:cxnSpMkLst>
             <pc:docMk/>
             <pc:sldMk cId="3032545414" sldId="291"/>
             <ac:cxnSpMk id="19" creationId="{E98956B7-EFCA-4375-927F-CD135D573799}"/>
           </ac:cxnSpMkLst>
         </pc:cxnChg>
-        <pc:cxnChg chg="add mod">
-          <ac:chgData name="Cynthia Enciso" userId="7915927f-c5cf-4e1f-876d-e79882ad52fa" providerId="ADAL" clId="{74ADBB48-1B4C-4883-B652-9F0A5946368F}" dt="2021-10-21T21:45:05.092" v="383" actId="1076"/>
-          <ac:cxnSpMkLst>
-            <pc:docMk/>
-            <pc:sldMk cId="3032545414" sldId="291"/>
-            <ac:cxnSpMk id="27" creationId="{D971F377-1802-4A6B-ACC1-B8F9D7C821FE}"/>
-          </ac:cxnSpMkLst>
-        </pc:cxnChg>
       </pc:sldChg>
-      <pc:sldChg chg="delSp modSp mod">
-        <pc:chgData name="Cynthia Enciso" userId="7915927f-c5cf-4e1f-876d-e79882ad52fa" providerId="ADAL" clId="{74ADBB48-1B4C-4883-B652-9F0A5946368F}" dt="2021-09-16T21:17:29.071" v="230" actId="20577"/>
-        <pc:sldMkLst>
-          <pc:docMk/>
-          <pc:sldMk cId="1309471508" sldId="292"/>
-        </pc:sldMkLst>
-        <pc:spChg chg="del mod">
-          <ac:chgData name="Cynthia Enciso" userId="7915927f-c5cf-4e1f-876d-e79882ad52fa" providerId="ADAL" clId="{74ADBB48-1B4C-4883-B652-9F0A5946368F}" dt="2021-08-05T15:30:32.335" v="1" actId="478"/>
-          <ac:spMkLst>
-            <pc:docMk/>
-            <pc:sldMk cId="1309471508" sldId="292"/>
-            <ac:spMk id="5" creationId="{76B7E9EB-1581-4566-96E3-DC2623DD9212}"/>
-          </ac:spMkLst>
-        </pc:spChg>
-        <pc:spChg chg="mod">
-          <ac:chgData name="Cynthia Enciso" userId="7915927f-c5cf-4e1f-876d-e79882ad52fa" providerId="ADAL" clId="{74ADBB48-1B4C-4883-B652-9F0A5946368F}" dt="2021-08-05T21:11:57.039" v="76" actId="20577"/>
-          <ac:spMkLst>
-            <pc:docMk/>
-            <pc:sldMk cId="1309471508" sldId="292"/>
-            <ac:spMk id="7" creationId="{7214B6E3-AE72-4F73-8451-92C4D1F69C13}"/>
-          </ac:spMkLst>
-        </pc:spChg>
-        <pc:spChg chg="mod">
-          <ac:chgData name="Cynthia Enciso" userId="7915927f-c5cf-4e1f-876d-e79882ad52fa" providerId="ADAL" clId="{74ADBB48-1B4C-4883-B652-9F0A5946368F}" dt="2021-09-16T21:17:29.071" v="230" actId="20577"/>
-          <ac:spMkLst>
-            <pc:docMk/>
-            <pc:sldMk cId="1309471508" sldId="292"/>
-            <ac:spMk id="8" creationId="{623B6B22-6594-46A9-8E0B-8D191E9B8EAD}"/>
-          </ac:spMkLst>
-        </pc:spChg>
-        <pc:spChg chg="mod">
-          <ac:chgData name="Cynthia Enciso" userId="7915927f-c5cf-4e1f-876d-e79882ad52fa" providerId="ADAL" clId="{74ADBB48-1B4C-4883-B652-9F0A5946368F}" dt="2021-09-16T21:17:07.283" v="229" actId="20577"/>
-          <ac:spMkLst>
-            <pc:docMk/>
-            <pc:sldMk cId="1309471508" sldId="292"/>
-            <ac:spMk id="9" creationId="{2A0DE1C8-2127-4482-9462-3454235F0035}"/>
-          </ac:spMkLst>
-        </pc:spChg>
-      </pc:sldChg>
-      <pc:sldChg chg="modSp mod">
-        <pc:chgData name="Cynthia Enciso" userId="7915927f-c5cf-4e1f-876d-e79882ad52fa" providerId="ADAL" clId="{74ADBB48-1B4C-4883-B652-9F0A5946368F}" dt="2021-10-21T20:09:04.684" v="312" actId="20577"/>
+      <pc:sldChg chg="modSp new mod">
+        <pc:chgData name="Cynthia Enciso" userId="7915927f-c5cf-4e1f-876d-e79882ad52fa" providerId="ADAL" clId="{E2A4B80B-47F0-4A35-82ED-AB7BCFCEFA88}" dt="2021-06-10T20:15:23.884" v="88" actId="20577"/>
         <pc:sldMkLst>
           <pc:docMk/>
           <pc:sldMk cId="4001553928" sldId="293"/>
         </pc:sldMkLst>
         <pc:spChg chg="mod">
-          <ac:chgData name="Cynthia Enciso" userId="7915927f-c5cf-4e1f-876d-e79882ad52fa" providerId="ADAL" clId="{74ADBB48-1B4C-4883-B652-9F0A5946368F}" dt="2021-10-21T20:09:04.684" v="312" actId="20577"/>
+          <ac:chgData name="Cynthia Enciso" userId="7915927f-c5cf-4e1f-876d-e79882ad52fa" providerId="ADAL" clId="{E2A4B80B-47F0-4A35-82ED-AB7BCFCEFA88}" dt="2021-06-10T20:15:05.172" v="35" actId="20577"/>
+          <ac:spMkLst>
+            <pc:docMk/>
+            <pc:sldMk cId="4001553928" sldId="293"/>
+            <ac:spMk id="2" creationId="{D7CD2E86-191B-42C2-A944-051DCF8B78C7}"/>
+          </ac:spMkLst>
+        </pc:spChg>
+        <pc:spChg chg="mod">
+          <ac:chgData name="Cynthia Enciso" userId="7915927f-c5cf-4e1f-876d-e79882ad52fa" providerId="ADAL" clId="{E2A4B80B-47F0-4A35-82ED-AB7BCFCEFA88}" dt="2021-06-10T20:15:23.884" v="88" actId="20577"/>
           <ac:spMkLst>
             <pc:docMk/>
             <pc:sldMk cId="4001553928" sldId="293"/>
             <ac:spMk id="3" creationId="{ECA1C488-08CD-4740-97F7-1DB60F2723C7}"/>
           </ac:spMkLst>
         </pc:spChg>
-      </pc:sldChg>
-      <pc:sldChg chg="add">
-        <pc:chgData name="Cynthia Enciso" userId="7915927f-c5cf-4e1f-876d-e79882ad52fa" providerId="ADAL" clId="{74ADBB48-1B4C-4883-B652-9F0A5946368F}" dt="2021-10-21T15:18:39.765" v="286"/>
-        <pc:sldMkLst>
-          <pc:docMk/>
-          <pc:sldMk cId="3529248417" sldId="294"/>
-        </pc:sldMkLst>
       </pc:sldChg>
     </pc:docChg>
   </pc:docChgLst>
@@ -29736,16 +29844,32 @@
             </a:r>
             <a:r>
               <a:rPr lang="en-US" dirty="0"/>
-              <a:t>, i.e. whether or not they have the same values in every variable. Uses the result of </a:t>
+              <a:t>, i.e. whether or not they have the same values in every variable. </a:t>
+            </a:r>
+          </a:p>
+          <a:p>
+            <a:pPr marL="800100" lvl="1" indent="-342900">
+              <a:lnSpc>
+                <a:spcPct val="80000"/>
+              </a:lnSpc>
+              <a:spcBef>
+                <a:spcPts val="0"/>
+              </a:spcBef>
+              <a:buSzPts val="2380"/>
+              <a:buChar char="•"/>
+            </a:pPr>
+            <a:r>
+              <a:rPr lang="en-US" dirty="0"/>
+              <a:t>Uses the equal to operator </a:t>
             </a:r>
             <a:r>
-              <a:rPr lang="en-US" dirty="0" err="1">
+              <a:rPr lang="en-US" b="1" dirty="0">
                 <a:latin typeface="Courier New"/>
                 <a:ea typeface="Courier New"/>
                 <a:cs typeface="Courier New"/>
                 <a:sym typeface="Courier New"/>
               </a:rPr>
-              <a:t>hashCode</a:t>
+              <a:t>==</a:t>
             </a:r>
             <a:r>
               <a:rPr lang="en-US" dirty="0">
@@ -29754,7 +29878,7 @@
                 <a:cs typeface="Courier New"/>
                 <a:sym typeface="Courier New"/>
               </a:rPr>
-              <a:t>() </a:t>
+              <a:t> </a:t>
             </a:r>
             <a:r>
               <a:rPr lang="en-US" dirty="0"/>
@@ -29975,6 +30099,37 @@
                                   </p:childTnLst>
                                 </p:cTn>
                               </p:par>
+                              <p:par>
+                                <p:cTn id="11" presetID="1" presetClass="entr" presetSubtype="0" fill="hold" grpId="0" nodeType="withEffect">
+                                  <p:stCondLst>
+                                    <p:cond delay="0"/>
+                                  </p:stCondLst>
+                                  <p:childTnLst>
+                                    <p:set>
+                                      <p:cBhvr>
+                                        <p:cTn id="12" dur="1" fill="hold">
+                                          <p:stCondLst>
+                                            <p:cond delay="0"/>
+                                          </p:stCondLst>
+                                        </p:cTn>
+                                        <p:tgtEl>
+                                          <p:spTgt spid="310">
+                                            <p:txEl>
+                                              <p:pRg st="3" end="3"/>
+                                            </p:txEl>
+                                          </p:spTgt>
+                                        </p:tgtEl>
+                                        <p:attrNameLst>
+                                          <p:attrName>style.visibility</p:attrName>
+                                        </p:attrNameLst>
+                                      </p:cBhvr>
+                                      <p:to>
+                                        <p:strVal val="visible"/>
+                                      </p:to>
+                                    </p:set>
+                                  </p:childTnLst>
+                                </p:cTn>
+                              </p:par>
                             </p:childTnLst>
                           </p:cTn>
                         </p:par>
@@ -29982,26 +30137,26 @@
                     </p:cTn>
                   </p:par>
                   <p:par>
-                    <p:cTn id="11" fill="hold">
+                    <p:cTn id="13" fill="hold">
                       <p:stCondLst>
                         <p:cond delay="indefinite"/>
                       </p:stCondLst>
                       <p:childTnLst>
                         <p:par>
-                          <p:cTn id="12" fill="hold">
+                          <p:cTn id="14" fill="hold">
                             <p:stCondLst>
                               <p:cond delay="0"/>
                             </p:stCondLst>
                             <p:childTnLst>
                               <p:par>
-                                <p:cTn id="13" presetID="1" presetClass="entr" presetSubtype="0" fill="hold" grpId="0" nodeType="clickEffect">
+                                <p:cTn id="15" presetID="1" presetClass="entr" presetSubtype="0" fill="hold" grpId="0" nodeType="clickEffect">
                                   <p:stCondLst>
                                     <p:cond delay="0"/>
                                   </p:stCondLst>
                                   <p:childTnLst>
                                     <p:set>
                                       <p:cBhvr>
-                                        <p:cTn id="14" dur="1" fill="hold">
+                                        <p:cTn id="16" dur="1" fill="hold">
                                           <p:stCondLst>
                                             <p:cond delay="0"/>
                                           </p:stCondLst>
@@ -30009,7 +30164,7 @@
                                         <p:tgtEl>
                                           <p:spTgt spid="310">
                                             <p:txEl>
-                                              <p:pRg st="4" end="4"/>
+                                              <p:pRg st="5" end="5"/>
                                             </p:txEl>
                                           </p:spTgt>
                                         </p:tgtEl>
@@ -37728,6 +37883,701 @@
   <p:cSld>
     <p:spTree>
       <p:nvGrpSpPr>
+        <p:cNvPr id="1" name="Shape 238"/>
+        <p:cNvGrpSpPr/>
+        <p:nvPr/>
+      </p:nvGrpSpPr>
+      <p:grpSpPr>
+        <a:xfrm>
+          <a:off x="0" y="0"/>
+          <a:ext cx="0" cy="0"/>
+          <a:chOff x="0" y="0"/>
+          <a:chExt cx="0" cy="0"/>
+        </a:xfrm>
+      </p:grpSpPr>
+      <p:sp>
+        <p:nvSpPr>
+          <p:cNvPr id="239" name="Google Shape;239;p19"/>
+          <p:cNvSpPr txBox="1">
+            <a:spLocks noGrp="1"/>
+          </p:cNvSpPr>
+          <p:nvPr>
+            <p:ph type="title"/>
+          </p:nvPr>
+        </p:nvSpPr>
+        <p:spPr>
+          <a:xfrm>
+            <a:off x="380010" y="-4950"/>
+            <a:ext cx="6222671" cy="1224150"/>
+          </a:xfrm>
+          <a:prstGeom prst="rect">
+            <a:avLst/>
+          </a:prstGeom>
+          <a:noFill/>
+          <a:ln>
+            <a:noFill/>
+          </a:ln>
+        </p:spPr>
+        <p:txBody>
+          <a:bodyPr spcFirstLastPara="1" wrap="square" lIns="91425" tIns="45700" rIns="91425" bIns="45700" anchor="ctr" anchorCtr="0">
+            <a:noAutofit/>
+          </a:bodyPr>
+          <a:lstStyle/>
+          <a:p>
+            <a:pPr marL="0" lvl="0" indent="0" algn="l" rtl="0">
+              <a:spcBef>
+                <a:spcPts val="0"/>
+              </a:spcBef>
+              <a:spcAft>
+                <a:spcPts val="0"/>
+              </a:spcAft>
+              <a:buClr>
+                <a:schemeClr val="lt1"/>
+              </a:buClr>
+              <a:buSzPts val="2400"/>
+              <a:buFont typeface="Arial"/>
+              <a:buNone/>
+            </a:pPr>
+            <a:r>
+              <a:rPr lang="en-US"/>
+              <a:t>Relationships Define Structure</a:t>
+            </a:r>
+            <a:endParaRPr/>
+          </a:p>
+        </p:txBody>
+      </p:sp>
+      <p:sp>
+        <p:nvSpPr>
+          <p:cNvPr id="240" name="Google Shape;240;p19"/>
+          <p:cNvSpPr txBox="1">
+            <a:spLocks noGrp="1"/>
+          </p:cNvSpPr>
+          <p:nvPr>
+            <p:ph type="body" idx="1"/>
+          </p:nvPr>
+        </p:nvSpPr>
+        <p:spPr>
+          <a:xfrm>
+            <a:off x="380010" y="1481446"/>
+            <a:ext cx="8383980" cy="4525963"/>
+          </a:xfrm>
+          <a:prstGeom prst="rect">
+            <a:avLst/>
+          </a:prstGeom>
+          <a:noFill/>
+          <a:ln>
+            <a:noFill/>
+          </a:ln>
+        </p:spPr>
+        <p:txBody>
+          <a:bodyPr spcFirstLastPara="1" wrap="square" lIns="91425" tIns="45700" rIns="91425" bIns="45700" anchor="t" anchorCtr="0">
+            <a:noAutofit/>
+          </a:bodyPr>
+          <a:lstStyle/>
+          <a:p>
+            <a:pPr marL="342900" lvl="0" indent="-342900" algn="l" rtl="0">
+              <a:lnSpc>
+                <a:spcPct val="90000"/>
+              </a:lnSpc>
+              <a:spcBef>
+                <a:spcPts val="0"/>
+              </a:spcBef>
+              <a:spcAft>
+                <a:spcPts val="0"/>
+              </a:spcAft>
+              <a:buSzPts val="2800"/>
+              <a:buChar char="•"/>
+            </a:pPr>
+            <a:r>
+              <a:rPr lang="en-US" dirty="0"/>
+              <a:t>When organizing your code into classes, consider the relationship between the different parts. Those relationships will inform the structure of the classes themselves.</a:t>
+            </a:r>
+            <a:endParaRPr dirty="0"/>
+          </a:p>
+          <a:p>
+            <a:pPr marL="342900" lvl="0" indent="-342900" algn="l" rtl="0">
+              <a:lnSpc>
+                <a:spcPct val="90000"/>
+              </a:lnSpc>
+              <a:spcBef>
+                <a:spcPts val="560"/>
+              </a:spcBef>
+              <a:spcAft>
+                <a:spcPts val="0"/>
+              </a:spcAft>
+              <a:buSzPts val="2800"/>
+              <a:buChar char="•"/>
+            </a:pPr>
+            <a:r>
+              <a:rPr lang="en-US" dirty="0"/>
+              <a:t>If you’re simulating a car…</a:t>
+            </a:r>
+            <a:endParaRPr dirty="0"/>
+          </a:p>
+          <a:p>
+            <a:pPr marL="742950" lvl="1" indent="-285750" algn="l" rtl="0">
+              <a:lnSpc>
+                <a:spcPct val="90000"/>
+              </a:lnSpc>
+              <a:spcBef>
+                <a:spcPts val="480"/>
+              </a:spcBef>
+              <a:spcAft>
+                <a:spcPts val="0"/>
+              </a:spcAft>
+              <a:buSzPts val="2400"/>
+              <a:buChar char="–"/>
+            </a:pPr>
+            <a:r>
+              <a:rPr lang="en-US" dirty="0"/>
+              <a:t>Should the engine extend car, or should the car class contain an engine instance?</a:t>
+            </a:r>
+            <a:endParaRPr dirty="0"/>
+          </a:p>
+          <a:p>
+            <a:pPr marL="742950" lvl="1" indent="-285750" algn="l" rtl="0">
+              <a:lnSpc>
+                <a:spcPct val="90000"/>
+              </a:lnSpc>
+              <a:spcBef>
+                <a:spcPts val="480"/>
+              </a:spcBef>
+              <a:spcAft>
+                <a:spcPts val="0"/>
+              </a:spcAft>
+              <a:buSzPts val="2400"/>
+              <a:buChar char="–"/>
+            </a:pPr>
+            <a:r>
+              <a:rPr lang="en-US" dirty="0"/>
+              <a:t>Do the different car parts have common functions or properties that can be given to a parent class? </a:t>
+            </a:r>
+            <a:endParaRPr dirty="0"/>
+          </a:p>
+        </p:txBody>
+      </p:sp>
+      <p:sp>
+        <p:nvSpPr>
+          <p:cNvPr id="241" name="Google Shape;241;p19"/>
+          <p:cNvSpPr txBox="1">
+            <a:spLocks noGrp="1"/>
+          </p:cNvSpPr>
+          <p:nvPr>
+            <p:ph type="sldNum" idx="12"/>
+          </p:nvPr>
+        </p:nvSpPr>
+        <p:spPr>
+          <a:xfrm>
+            <a:off x="8122757" y="6363712"/>
+            <a:ext cx="861671" cy="365125"/>
+          </a:xfrm>
+          <a:prstGeom prst="rect">
+            <a:avLst/>
+          </a:prstGeom>
+          <a:noFill/>
+          <a:ln>
+            <a:noFill/>
+          </a:ln>
+        </p:spPr>
+        <p:txBody>
+          <a:bodyPr spcFirstLastPara="1" wrap="square" lIns="91425" tIns="45700" rIns="91425" bIns="45700" anchor="ctr" anchorCtr="0">
+            <a:noAutofit/>
+          </a:bodyPr>
+          <a:lstStyle/>
+          <a:p>
+            <a:pPr marL="0" lvl="0" indent="0" algn="r" rtl="0">
+              <a:spcBef>
+                <a:spcPts val="0"/>
+              </a:spcBef>
+              <a:spcAft>
+                <a:spcPts val="0"/>
+              </a:spcAft>
+              <a:buNone/>
+            </a:pPr>
+            <a:fld id="{00000000-1234-1234-1234-123412341234}" type="slidenum">
+              <a:rPr lang="en-US"/>
+              <a:t>20</a:t>
+            </a:fld>
+            <a:endParaRPr/>
+          </a:p>
+        </p:txBody>
+      </p:sp>
+    </p:spTree>
+  </p:cSld>
+  <p:clrMapOvr>
+    <a:masterClrMapping/>
+  </p:clrMapOvr>
+  <p:timing>
+    <p:tnLst>
+      <p:par>
+        <p:cTn id="1" dur="indefinite" restart="never" nodeType="tmRoot">
+          <p:childTnLst>
+            <p:seq concurrent="1" nextAc="seek">
+              <p:cTn id="2" dur="indefinite" nodeType="mainSeq">
+                <p:childTnLst>
+                  <p:par>
+                    <p:cTn id="3" fill="hold">
+                      <p:stCondLst>
+                        <p:cond delay="indefinite"/>
+                      </p:stCondLst>
+                      <p:childTnLst>
+                        <p:par>
+                          <p:cTn id="4" fill="hold">
+                            <p:stCondLst>
+                              <p:cond delay="0"/>
+                            </p:stCondLst>
+                            <p:childTnLst>
+                              <p:par>
+                                <p:cTn id="5" presetID="1" presetClass="entr" presetSubtype="0" fill="hold" grpId="0" nodeType="clickEffect">
+                                  <p:stCondLst>
+                                    <p:cond delay="0"/>
+                                  </p:stCondLst>
+                                  <p:childTnLst>
+                                    <p:set>
+                                      <p:cBhvr>
+                                        <p:cTn id="6" dur="1" fill="hold">
+                                          <p:stCondLst>
+                                            <p:cond delay="0"/>
+                                          </p:stCondLst>
+                                        </p:cTn>
+                                        <p:tgtEl>
+                                          <p:spTgt spid="240">
+                                            <p:txEl>
+                                              <p:pRg st="0" end="0"/>
+                                            </p:txEl>
+                                          </p:spTgt>
+                                        </p:tgtEl>
+                                        <p:attrNameLst>
+                                          <p:attrName>style.visibility</p:attrName>
+                                        </p:attrNameLst>
+                                      </p:cBhvr>
+                                      <p:to>
+                                        <p:strVal val="visible"/>
+                                      </p:to>
+                                    </p:set>
+                                  </p:childTnLst>
+                                </p:cTn>
+                              </p:par>
+                            </p:childTnLst>
+                          </p:cTn>
+                        </p:par>
+                      </p:childTnLst>
+                    </p:cTn>
+                  </p:par>
+                  <p:par>
+                    <p:cTn id="7" fill="hold">
+                      <p:stCondLst>
+                        <p:cond delay="indefinite"/>
+                      </p:stCondLst>
+                      <p:childTnLst>
+                        <p:par>
+                          <p:cTn id="8" fill="hold">
+                            <p:stCondLst>
+                              <p:cond delay="0"/>
+                            </p:stCondLst>
+                            <p:childTnLst>
+                              <p:par>
+                                <p:cTn id="9" presetID="1" presetClass="entr" presetSubtype="0" fill="hold" grpId="0" nodeType="clickEffect">
+                                  <p:stCondLst>
+                                    <p:cond delay="0"/>
+                                  </p:stCondLst>
+                                  <p:childTnLst>
+                                    <p:set>
+                                      <p:cBhvr>
+                                        <p:cTn id="10" dur="1" fill="hold">
+                                          <p:stCondLst>
+                                            <p:cond delay="0"/>
+                                          </p:stCondLst>
+                                        </p:cTn>
+                                        <p:tgtEl>
+                                          <p:spTgt spid="240">
+                                            <p:txEl>
+                                              <p:pRg st="1" end="1"/>
+                                            </p:txEl>
+                                          </p:spTgt>
+                                        </p:tgtEl>
+                                        <p:attrNameLst>
+                                          <p:attrName>style.visibility</p:attrName>
+                                        </p:attrNameLst>
+                                      </p:cBhvr>
+                                      <p:to>
+                                        <p:strVal val="visible"/>
+                                      </p:to>
+                                    </p:set>
+                                  </p:childTnLst>
+                                </p:cTn>
+                              </p:par>
+                              <p:par>
+                                <p:cTn id="11" presetID="1" presetClass="entr" presetSubtype="0" fill="hold" grpId="0" nodeType="withEffect">
+                                  <p:stCondLst>
+                                    <p:cond delay="0"/>
+                                  </p:stCondLst>
+                                  <p:childTnLst>
+                                    <p:set>
+                                      <p:cBhvr>
+                                        <p:cTn id="12" dur="1" fill="hold">
+                                          <p:stCondLst>
+                                            <p:cond delay="0"/>
+                                          </p:stCondLst>
+                                        </p:cTn>
+                                        <p:tgtEl>
+                                          <p:spTgt spid="240">
+                                            <p:txEl>
+                                              <p:pRg st="2" end="2"/>
+                                            </p:txEl>
+                                          </p:spTgt>
+                                        </p:tgtEl>
+                                        <p:attrNameLst>
+                                          <p:attrName>style.visibility</p:attrName>
+                                        </p:attrNameLst>
+                                      </p:cBhvr>
+                                      <p:to>
+                                        <p:strVal val="visible"/>
+                                      </p:to>
+                                    </p:set>
+                                  </p:childTnLst>
+                                </p:cTn>
+                              </p:par>
+                              <p:par>
+                                <p:cTn id="13" presetID="1" presetClass="entr" presetSubtype="0" fill="hold" grpId="0" nodeType="withEffect">
+                                  <p:stCondLst>
+                                    <p:cond delay="0"/>
+                                  </p:stCondLst>
+                                  <p:childTnLst>
+                                    <p:set>
+                                      <p:cBhvr>
+                                        <p:cTn id="14" dur="1" fill="hold">
+                                          <p:stCondLst>
+                                            <p:cond delay="0"/>
+                                          </p:stCondLst>
+                                        </p:cTn>
+                                        <p:tgtEl>
+                                          <p:spTgt spid="240">
+                                            <p:txEl>
+                                              <p:pRg st="3" end="3"/>
+                                            </p:txEl>
+                                          </p:spTgt>
+                                        </p:tgtEl>
+                                        <p:attrNameLst>
+                                          <p:attrName>style.visibility</p:attrName>
+                                        </p:attrNameLst>
+                                      </p:cBhvr>
+                                      <p:to>
+                                        <p:strVal val="visible"/>
+                                      </p:to>
+                                    </p:set>
+                                  </p:childTnLst>
+                                </p:cTn>
+                              </p:par>
+                            </p:childTnLst>
+                          </p:cTn>
+                        </p:par>
+                      </p:childTnLst>
+                    </p:cTn>
+                  </p:par>
+                </p:childTnLst>
+              </p:cTn>
+              <p:prevCondLst>
+                <p:cond evt="onPrev" delay="0">
+                  <p:tgtEl>
+                    <p:sldTgt/>
+                  </p:tgtEl>
+                </p:cond>
+              </p:prevCondLst>
+              <p:nextCondLst>
+                <p:cond evt="onNext" delay="0">
+                  <p:tgtEl>
+                    <p:sldTgt/>
+                  </p:tgtEl>
+                </p:cond>
+              </p:nextCondLst>
+            </p:seq>
+          </p:childTnLst>
+        </p:cTn>
+      </p:par>
+    </p:tnLst>
+    <p:bldLst>
+      <p:bldP spid="240" grpId="0" build="p"/>
+    </p:bldLst>
+  </p:timing>
+</p:sld>
+</file>
+
+<file path=ppt/slides/slide22.xml><?xml version="1.0" encoding="utf-8"?>
+<p:sld xmlns:a="http://schemas.openxmlformats.org/drawingml/2006/main" xmlns:r="http://schemas.openxmlformats.org/officeDocument/2006/relationships" xmlns:p="http://schemas.openxmlformats.org/presentationml/2006/main">
+  <p:cSld>
+    <p:spTree>
+      <p:nvGrpSpPr>
+        <p:cNvPr id="1" name=""/>
+        <p:cNvGrpSpPr/>
+        <p:nvPr/>
+      </p:nvGrpSpPr>
+      <p:grpSpPr>
+        <a:xfrm>
+          <a:off x="0" y="0"/>
+          <a:ext cx="0" cy="0"/>
+          <a:chOff x="0" y="0"/>
+          <a:chExt cx="0" cy="0"/>
+        </a:xfrm>
+      </p:grpSpPr>
+      <p:sp>
+        <p:nvSpPr>
+          <p:cNvPr id="2" name="Title 1">
+            <a:extLst>
+              <a:ext uri="{FF2B5EF4-FFF2-40B4-BE49-F238E27FC236}">
+                <a16:creationId xmlns:a16="http://schemas.microsoft.com/office/drawing/2014/main" id="{6280EC38-7ACF-42D7-900C-29D3ED36CE6A}"/>
+              </a:ext>
+            </a:extLst>
+          </p:cNvPr>
+          <p:cNvSpPr>
+            <a:spLocks noGrp="1"/>
+          </p:cNvSpPr>
+          <p:nvPr>
+            <p:ph type="title"/>
+          </p:nvPr>
+        </p:nvSpPr>
+        <p:spPr/>
+        <p:txBody>
+          <a:bodyPr/>
+          <a:lstStyle/>
+          <a:p>
+            <a:r>
+              <a:rPr lang="en-US" dirty="0"/>
+              <a:t>Contract</a:t>
+            </a:r>
+          </a:p>
+        </p:txBody>
+      </p:sp>
+      <p:sp>
+        <p:nvSpPr>
+          <p:cNvPr id="3" name="Text Placeholder 2">
+            <a:extLst>
+              <a:ext uri="{FF2B5EF4-FFF2-40B4-BE49-F238E27FC236}">
+                <a16:creationId xmlns:a16="http://schemas.microsoft.com/office/drawing/2014/main" id="{8BF6CD03-02F1-42B1-9BF5-8E4B12DF1EEB}"/>
+              </a:ext>
+            </a:extLst>
+          </p:cNvPr>
+          <p:cNvSpPr>
+            <a:spLocks noGrp="1"/>
+          </p:cNvSpPr>
+          <p:nvPr>
+            <p:ph type="body" idx="1"/>
+          </p:nvPr>
+        </p:nvSpPr>
+        <p:spPr/>
+        <p:txBody>
+          <a:bodyPr anchor="ctr"/>
+          <a:lstStyle/>
+          <a:p>
+            <a:r>
+              <a:rPr lang="en-US" dirty="0"/>
+              <a:t>A superclass essentially guarantees that all subclasses will have certain state and certain behavior – those that are defined in the super class</a:t>
+            </a:r>
+          </a:p>
+          <a:p>
+            <a:pPr marL="50800" indent="0">
+              <a:buNone/>
+            </a:pPr>
+            <a:endParaRPr lang="en-US" dirty="0"/>
+          </a:p>
+          <a:p>
+            <a:r>
+              <a:rPr lang="en-US" dirty="0"/>
+              <a:t>Therefore, it defines a contract between extending classes and all other classes. </a:t>
+            </a:r>
+          </a:p>
+          <a:p>
+            <a:endParaRPr lang="en-US" dirty="0"/>
+          </a:p>
+        </p:txBody>
+      </p:sp>
+      <p:sp>
+        <p:nvSpPr>
+          <p:cNvPr id="4" name="Slide Number Placeholder 3">
+            <a:extLst>
+              <a:ext uri="{FF2B5EF4-FFF2-40B4-BE49-F238E27FC236}">
+                <a16:creationId xmlns:a16="http://schemas.microsoft.com/office/drawing/2014/main" id="{2AC28ED9-3E51-4BE2-9A88-DC6D395D9396}"/>
+              </a:ext>
+            </a:extLst>
+          </p:cNvPr>
+          <p:cNvSpPr>
+            <a:spLocks noGrp="1"/>
+          </p:cNvSpPr>
+          <p:nvPr>
+            <p:ph type="sldNum" idx="12"/>
+          </p:nvPr>
+        </p:nvSpPr>
+        <p:spPr/>
+        <p:txBody>
+          <a:bodyPr/>
+          <a:lstStyle/>
+          <a:p>
+            <a:pPr marL="0" lvl="0" indent="0" algn="r" rtl="0">
+              <a:spcBef>
+                <a:spcPts val="0"/>
+              </a:spcBef>
+              <a:spcAft>
+                <a:spcPts val="0"/>
+              </a:spcAft>
+              <a:buNone/>
+            </a:pPr>
+            <a:fld id="{00000000-1234-1234-1234-123412341234}" type="slidenum">
+              <a:rPr lang="en-US" smtClean="0"/>
+              <a:t>21</a:t>
+            </a:fld>
+            <a:endParaRPr lang="en-US"/>
+          </a:p>
+        </p:txBody>
+      </p:sp>
+    </p:spTree>
+    <p:extLst>
+      <p:ext uri="{BB962C8B-B14F-4D97-AF65-F5344CB8AC3E}">
+        <p14:creationId xmlns:p14="http://schemas.microsoft.com/office/powerpoint/2010/main" val="4056689453"/>
+      </p:ext>
+    </p:extLst>
+  </p:cSld>
+  <p:clrMapOvr>
+    <a:masterClrMapping/>
+  </p:clrMapOvr>
+  <p:timing>
+    <p:tnLst>
+      <p:par>
+        <p:cTn id="1" dur="indefinite" restart="never" nodeType="tmRoot">
+          <p:childTnLst>
+            <p:seq concurrent="1" nextAc="seek">
+              <p:cTn id="2" dur="indefinite" nodeType="mainSeq">
+                <p:childTnLst>
+                  <p:par>
+                    <p:cTn id="3" fill="hold">
+                      <p:stCondLst>
+                        <p:cond delay="indefinite"/>
+                      </p:stCondLst>
+                      <p:childTnLst>
+                        <p:par>
+                          <p:cTn id="4" fill="hold">
+                            <p:stCondLst>
+                              <p:cond delay="0"/>
+                            </p:stCondLst>
+                            <p:childTnLst>
+                              <p:par>
+                                <p:cTn id="5" presetID="1" presetClass="entr" presetSubtype="0" fill="hold" grpId="0" nodeType="clickEffect">
+                                  <p:stCondLst>
+                                    <p:cond delay="0"/>
+                                  </p:stCondLst>
+                                  <p:childTnLst>
+                                    <p:set>
+                                      <p:cBhvr>
+                                        <p:cTn id="6" dur="1" fill="hold">
+                                          <p:stCondLst>
+                                            <p:cond delay="0"/>
+                                          </p:stCondLst>
+                                        </p:cTn>
+                                        <p:tgtEl>
+                                          <p:spTgt spid="3">
+                                            <p:txEl>
+                                              <p:pRg st="0" end="0"/>
+                                            </p:txEl>
+                                          </p:spTgt>
+                                        </p:tgtEl>
+                                        <p:attrNameLst>
+                                          <p:attrName>style.visibility</p:attrName>
+                                        </p:attrNameLst>
+                                      </p:cBhvr>
+                                      <p:to>
+                                        <p:strVal val="visible"/>
+                                      </p:to>
+                                    </p:set>
+                                  </p:childTnLst>
+                                </p:cTn>
+                              </p:par>
+                            </p:childTnLst>
+                          </p:cTn>
+                        </p:par>
+                      </p:childTnLst>
+                    </p:cTn>
+                  </p:par>
+                  <p:par>
+                    <p:cTn id="7" fill="hold">
+                      <p:stCondLst>
+                        <p:cond delay="indefinite"/>
+                      </p:stCondLst>
+                      <p:childTnLst>
+                        <p:par>
+                          <p:cTn id="8" fill="hold">
+                            <p:stCondLst>
+                              <p:cond delay="0"/>
+                            </p:stCondLst>
+                            <p:childTnLst>
+                              <p:par>
+                                <p:cTn id="9" presetID="1" presetClass="entr" presetSubtype="0" fill="hold" grpId="0" nodeType="clickEffect">
+                                  <p:stCondLst>
+                                    <p:cond delay="0"/>
+                                  </p:stCondLst>
+                                  <p:childTnLst>
+                                    <p:set>
+                                      <p:cBhvr>
+                                        <p:cTn id="10" dur="1" fill="hold">
+                                          <p:stCondLst>
+                                            <p:cond delay="0"/>
+                                          </p:stCondLst>
+                                        </p:cTn>
+                                        <p:tgtEl>
+                                          <p:spTgt spid="3">
+                                            <p:txEl>
+                                              <p:pRg st="2" end="2"/>
+                                            </p:txEl>
+                                          </p:spTgt>
+                                        </p:tgtEl>
+                                        <p:attrNameLst>
+                                          <p:attrName>style.visibility</p:attrName>
+                                        </p:attrNameLst>
+                                      </p:cBhvr>
+                                      <p:to>
+                                        <p:strVal val="visible"/>
+                                      </p:to>
+                                    </p:set>
+                                  </p:childTnLst>
+                                </p:cTn>
+                              </p:par>
+                            </p:childTnLst>
+                          </p:cTn>
+                        </p:par>
+                      </p:childTnLst>
+                    </p:cTn>
+                  </p:par>
+                </p:childTnLst>
+              </p:cTn>
+              <p:prevCondLst>
+                <p:cond evt="onPrev" delay="0">
+                  <p:tgtEl>
+                    <p:sldTgt/>
+                  </p:tgtEl>
+                </p:cond>
+              </p:prevCondLst>
+              <p:nextCondLst>
+                <p:cond evt="onNext" delay="0">
+                  <p:tgtEl>
+                    <p:sldTgt/>
+                  </p:tgtEl>
+                </p:cond>
+              </p:nextCondLst>
+            </p:seq>
+          </p:childTnLst>
+        </p:cTn>
+      </p:par>
+    </p:tnLst>
+    <p:bldLst>
+      <p:bldP spid="3" grpId="0" build="p"/>
+    </p:bldLst>
+  </p:timing>
+</p:sld>
+</file>
+
+<file path=ppt/slides/slide23.xml><?xml version="1.0" encoding="utf-8"?>
+<p:sld xmlns:a="http://schemas.openxmlformats.org/drawingml/2006/main" xmlns:r="http://schemas.openxmlformats.org/officeDocument/2006/relationships" xmlns:p="http://schemas.openxmlformats.org/presentationml/2006/main">
+  <p:cSld>
+    <p:spTree>
+      <p:nvGrpSpPr>
         <p:cNvPr id="1" name=""/>
         <p:cNvGrpSpPr/>
         <p:nvPr/>
@@ -37800,7 +38650,7 @@
             </a:pPr>
             <a:fld id="{00000000-1234-1234-1234-123412341234}" type="slidenum">
               <a:rPr lang="en-US" b="1" smtClean="0"/>
-              <a:t>20</a:t>
+              <a:t>22</a:t>
             </a:fld>
             <a:endParaRPr lang="en-US" b="1"/>
           </a:p>
@@ -37864,7 +38714,7 @@
           <a:p>
             <a:r>
               <a:rPr lang="en-US" sz="2000" b="1" dirty="0" err="1"/>
-              <a:t>Anim</a:t>
+              <a:t>anim</a:t>
             </a:r>
             <a:r>
               <a:rPr lang="en-US" sz="2000" b="1" dirty="0"/>
@@ -39429,701 +40279,6 @@
 </p:sld>
 </file>
 
-<file path=ppt/slides/slide22.xml><?xml version="1.0" encoding="utf-8"?>
-<p:sld xmlns:a="http://schemas.openxmlformats.org/drawingml/2006/main" xmlns:r="http://schemas.openxmlformats.org/officeDocument/2006/relationships" xmlns:p="http://schemas.openxmlformats.org/presentationml/2006/main">
-  <p:cSld>
-    <p:spTree>
-      <p:nvGrpSpPr>
-        <p:cNvPr id="1" name="Shape 238"/>
-        <p:cNvGrpSpPr/>
-        <p:nvPr/>
-      </p:nvGrpSpPr>
-      <p:grpSpPr>
-        <a:xfrm>
-          <a:off x="0" y="0"/>
-          <a:ext cx="0" cy="0"/>
-          <a:chOff x="0" y="0"/>
-          <a:chExt cx="0" cy="0"/>
-        </a:xfrm>
-      </p:grpSpPr>
-      <p:sp>
-        <p:nvSpPr>
-          <p:cNvPr id="239" name="Google Shape;239;p19"/>
-          <p:cNvSpPr txBox="1">
-            <a:spLocks noGrp="1"/>
-          </p:cNvSpPr>
-          <p:nvPr>
-            <p:ph type="title"/>
-          </p:nvPr>
-        </p:nvSpPr>
-        <p:spPr>
-          <a:xfrm>
-            <a:off x="380010" y="-4950"/>
-            <a:ext cx="6222671" cy="1224150"/>
-          </a:xfrm>
-          <a:prstGeom prst="rect">
-            <a:avLst/>
-          </a:prstGeom>
-          <a:noFill/>
-          <a:ln>
-            <a:noFill/>
-          </a:ln>
-        </p:spPr>
-        <p:txBody>
-          <a:bodyPr spcFirstLastPara="1" wrap="square" lIns="91425" tIns="45700" rIns="91425" bIns="45700" anchor="ctr" anchorCtr="0">
-            <a:noAutofit/>
-          </a:bodyPr>
-          <a:lstStyle/>
-          <a:p>
-            <a:pPr marL="0" lvl="0" indent="0" algn="l" rtl="0">
-              <a:spcBef>
-                <a:spcPts val="0"/>
-              </a:spcBef>
-              <a:spcAft>
-                <a:spcPts val="0"/>
-              </a:spcAft>
-              <a:buClr>
-                <a:schemeClr val="lt1"/>
-              </a:buClr>
-              <a:buSzPts val="2400"/>
-              <a:buFont typeface="Arial"/>
-              <a:buNone/>
-            </a:pPr>
-            <a:r>
-              <a:rPr lang="en-US"/>
-              <a:t>Relationships Define Structure</a:t>
-            </a:r>
-            <a:endParaRPr/>
-          </a:p>
-        </p:txBody>
-      </p:sp>
-      <p:sp>
-        <p:nvSpPr>
-          <p:cNvPr id="240" name="Google Shape;240;p19"/>
-          <p:cNvSpPr txBox="1">
-            <a:spLocks noGrp="1"/>
-          </p:cNvSpPr>
-          <p:nvPr>
-            <p:ph type="body" idx="1"/>
-          </p:nvPr>
-        </p:nvSpPr>
-        <p:spPr>
-          <a:xfrm>
-            <a:off x="380010" y="1481446"/>
-            <a:ext cx="8383980" cy="4525963"/>
-          </a:xfrm>
-          <a:prstGeom prst="rect">
-            <a:avLst/>
-          </a:prstGeom>
-          <a:noFill/>
-          <a:ln>
-            <a:noFill/>
-          </a:ln>
-        </p:spPr>
-        <p:txBody>
-          <a:bodyPr spcFirstLastPara="1" wrap="square" lIns="91425" tIns="45700" rIns="91425" bIns="45700" anchor="t" anchorCtr="0">
-            <a:noAutofit/>
-          </a:bodyPr>
-          <a:lstStyle/>
-          <a:p>
-            <a:pPr marL="342900" lvl="0" indent="-342900" algn="l" rtl="0">
-              <a:lnSpc>
-                <a:spcPct val="90000"/>
-              </a:lnSpc>
-              <a:spcBef>
-                <a:spcPts val="0"/>
-              </a:spcBef>
-              <a:spcAft>
-                <a:spcPts val="0"/>
-              </a:spcAft>
-              <a:buSzPts val="2800"/>
-              <a:buChar char="•"/>
-            </a:pPr>
-            <a:r>
-              <a:rPr lang="en-US" dirty="0"/>
-              <a:t>When organizing your code into classes, consider the relationship between the different parts. Those relationships will inform the structure of the classes themselves.</a:t>
-            </a:r>
-            <a:endParaRPr dirty="0"/>
-          </a:p>
-          <a:p>
-            <a:pPr marL="342900" lvl="0" indent="-342900" algn="l" rtl="0">
-              <a:lnSpc>
-                <a:spcPct val="90000"/>
-              </a:lnSpc>
-              <a:spcBef>
-                <a:spcPts val="560"/>
-              </a:spcBef>
-              <a:spcAft>
-                <a:spcPts val="0"/>
-              </a:spcAft>
-              <a:buSzPts val="2800"/>
-              <a:buChar char="•"/>
-            </a:pPr>
-            <a:r>
-              <a:rPr lang="en-US" dirty="0"/>
-              <a:t>If you’re simulating a car…</a:t>
-            </a:r>
-            <a:endParaRPr dirty="0"/>
-          </a:p>
-          <a:p>
-            <a:pPr marL="742950" lvl="1" indent="-285750" algn="l" rtl="0">
-              <a:lnSpc>
-                <a:spcPct val="90000"/>
-              </a:lnSpc>
-              <a:spcBef>
-                <a:spcPts val="480"/>
-              </a:spcBef>
-              <a:spcAft>
-                <a:spcPts val="0"/>
-              </a:spcAft>
-              <a:buSzPts val="2400"/>
-              <a:buChar char="–"/>
-            </a:pPr>
-            <a:r>
-              <a:rPr lang="en-US" dirty="0"/>
-              <a:t>Should the engine extend car, or should the car class contain an engine instance?</a:t>
-            </a:r>
-            <a:endParaRPr dirty="0"/>
-          </a:p>
-          <a:p>
-            <a:pPr marL="742950" lvl="1" indent="-285750" algn="l" rtl="0">
-              <a:lnSpc>
-                <a:spcPct val="90000"/>
-              </a:lnSpc>
-              <a:spcBef>
-                <a:spcPts val="480"/>
-              </a:spcBef>
-              <a:spcAft>
-                <a:spcPts val="0"/>
-              </a:spcAft>
-              <a:buSzPts val="2400"/>
-              <a:buChar char="–"/>
-            </a:pPr>
-            <a:r>
-              <a:rPr lang="en-US" dirty="0"/>
-              <a:t>Do the different car parts have common functions or properties that can be given to a parent class? </a:t>
-            </a:r>
-            <a:endParaRPr dirty="0"/>
-          </a:p>
-        </p:txBody>
-      </p:sp>
-      <p:sp>
-        <p:nvSpPr>
-          <p:cNvPr id="241" name="Google Shape;241;p19"/>
-          <p:cNvSpPr txBox="1">
-            <a:spLocks noGrp="1"/>
-          </p:cNvSpPr>
-          <p:nvPr>
-            <p:ph type="sldNum" idx="12"/>
-          </p:nvPr>
-        </p:nvSpPr>
-        <p:spPr>
-          <a:xfrm>
-            <a:off x="8122757" y="6363712"/>
-            <a:ext cx="861671" cy="365125"/>
-          </a:xfrm>
-          <a:prstGeom prst="rect">
-            <a:avLst/>
-          </a:prstGeom>
-          <a:noFill/>
-          <a:ln>
-            <a:noFill/>
-          </a:ln>
-        </p:spPr>
-        <p:txBody>
-          <a:bodyPr spcFirstLastPara="1" wrap="square" lIns="91425" tIns="45700" rIns="91425" bIns="45700" anchor="ctr" anchorCtr="0">
-            <a:noAutofit/>
-          </a:bodyPr>
-          <a:lstStyle/>
-          <a:p>
-            <a:pPr marL="0" lvl="0" indent="0" algn="r" rtl="0">
-              <a:spcBef>
-                <a:spcPts val="0"/>
-              </a:spcBef>
-              <a:spcAft>
-                <a:spcPts val="0"/>
-              </a:spcAft>
-              <a:buNone/>
-            </a:pPr>
-            <a:fld id="{00000000-1234-1234-1234-123412341234}" type="slidenum">
-              <a:rPr lang="en-US"/>
-              <a:t>21</a:t>
-            </a:fld>
-            <a:endParaRPr/>
-          </a:p>
-        </p:txBody>
-      </p:sp>
-    </p:spTree>
-  </p:cSld>
-  <p:clrMapOvr>
-    <a:masterClrMapping/>
-  </p:clrMapOvr>
-  <p:timing>
-    <p:tnLst>
-      <p:par>
-        <p:cTn id="1" dur="indefinite" restart="never" nodeType="tmRoot">
-          <p:childTnLst>
-            <p:seq concurrent="1" nextAc="seek">
-              <p:cTn id="2" dur="indefinite" nodeType="mainSeq">
-                <p:childTnLst>
-                  <p:par>
-                    <p:cTn id="3" fill="hold">
-                      <p:stCondLst>
-                        <p:cond delay="indefinite"/>
-                      </p:stCondLst>
-                      <p:childTnLst>
-                        <p:par>
-                          <p:cTn id="4" fill="hold">
-                            <p:stCondLst>
-                              <p:cond delay="0"/>
-                            </p:stCondLst>
-                            <p:childTnLst>
-                              <p:par>
-                                <p:cTn id="5" presetID="1" presetClass="entr" presetSubtype="0" fill="hold" grpId="0" nodeType="clickEffect">
-                                  <p:stCondLst>
-                                    <p:cond delay="0"/>
-                                  </p:stCondLst>
-                                  <p:childTnLst>
-                                    <p:set>
-                                      <p:cBhvr>
-                                        <p:cTn id="6" dur="1" fill="hold">
-                                          <p:stCondLst>
-                                            <p:cond delay="0"/>
-                                          </p:stCondLst>
-                                        </p:cTn>
-                                        <p:tgtEl>
-                                          <p:spTgt spid="240">
-                                            <p:txEl>
-                                              <p:pRg st="0" end="0"/>
-                                            </p:txEl>
-                                          </p:spTgt>
-                                        </p:tgtEl>
-                                        <p:attrNameLst>
-                                          <p:attrName>style.visibility</p:attrName>
-                                        </p:attrNameLst>
-                                      </p:cBhvr>
-                                      <p:to>
-                                        <p:strVal val="visible"/>
-                                      </p:to>
-                                    </p:set>
-                                  </p:childTnLst>
-                                </p:cTn>
-                              </p:par>
-                            </p:childTnLst>
-                          </p:cTn>
-                        </p:par>
-                      </p:childTnLst>
-                    </p:cTn>
-                  </p:par>
-                  <p:par>
-                    <p:cTn id="7" fill="hold">
-                      <p:stCondLst>
-                        <p:cond delay="indefinite"/>
-                      </p:stCondLst>
-                      <p:childTnLst>
-                        <p:par>
-                          <p:cTn id="8" fill="hold">
-                            <p:stCondLst>
-                              <p:cond delay="0"/>
-                            </p:stCondLst>
-                            <p:childTnLst>
-                              <p:par>
-                                <p:cTn id="9" presetID="1" presetClass="entr" presetSubtype="0" fill="hold" grpId="0" nodeType="clickEffect">
-                                  <p:stCondLst>
-                                    <p:cond delay="0"/>
-                                  </p:stCondLst>
-                                  <p:childTnLst>
-                                    <p:set>
-                                      <p:cBhvr>
-                                        <p:cTn id="10" dur="1" fill="hold">
-                                          <p:stCondLst>
-                                            <p:cond delay="0"/>
-                                          </p:stCondLst>
-                                        </p:cTn>
-                                        <p:tgtEl>
-                                          <p:spTgt spid="240">
-                                            <p:txEl>
-                                              <p:pRg st="1" end="1"/>
-                                            </p:txEl>
-                                          </p:spTgt>
-                                        </p:tgtEl>
-                                        <p:attrNameLst>
-                                          <p:attrName>style.visibility</p:attrName>
-                                        </p:attrNameLst>
-                                      </p:cBhvr>
-                                      <p:to>
-                                        <p:strVal val="visible"/>
-                                      </p:to>
-                                    </p:set>
-                                  </p:childTnLst>
-                                </p:cTn>
-                              </p:par>
-                              <p:par>
-                                <p:cTn id="11" presetID="1" presetClass="entr" presetSubtype="0" fill="hold" grpId="0" nodeType="withEffect">
-                                  <p:stCondLst>
-                                    <p:cond delay="0"/>
-                                  </p:stCondLst>
-                                  <p:childTnLst>
-                                    <p:set>
-                                      <p:cBhvr>
-                                        <p:cTn id="12" dur="1" fill="hold">
-                                          <p:stCondLst>
-                                            <p:cond delay="0"/>
-                                          </p:stCondLst>
-                                        </p:cTn>
-                                        <p:tgtEl>
-                                          <p:spTgt spid="240">
-                                            <p:txEl>
-                                              <p:pRg st="2" end="2"/>
-                                            </p:txEl>
-                                          </p:spTgt>
-                                        </p:tgtEl>
-                                        <p:attrNameLst>
-                                          <p:attrName>style.visibility</p:attrName>
-                                        </p:attrNameLst>
-                                      </p:cBhvr>
-                                      <p:to>
-                                        <p:strVal val="visible"/>
-                                      </p:to>
-                                    </p:set>
-                                  </p:childTnLst>
-                                </p:cTn>
-                              </p:par>
-                              <p:par>
-                                <p:cTn id="13" presetID="1" presetClass="entr" presetSubtype="0" fill="hold" grpId="0" nodeType="withEffect">
-                                  <p:stCondLst>
-                                    <p:cond delay="0"/>
-                                  </p:stCondLst>
-                                  <p:childTnLst>
-                                    <p:set>
-                                      <p:cBhvr>
-                                        <p:cTn id="14" dur="1" fill="hold">
-                                          <p:stCondLst>
-                                            <p:cond delay="0"/>
-                                          </p:stCondLst>
-                                        </p:cTn>
-                                        <p:tgtEl>
-                                          <p:spTgt spid="240">
-                                            <p:txEl>
-                                              <p:pRg st="3" end="3"/>
-                                            </p:txEl>
-                                          </p:spTgt>
-                                        </p:tgtEl>
-                                        <p:attrNameLst>
-                                          <p:attrName>style.visibility</p:attrName>
-                                        </p:attrNameLst>
-                                      </p:cBhvr>
-                                      <p:to>
-                                        <p:strVal val="visible"/>
-                                      </p:to>
-                                    </p:set>
-                                  </p:childTnLst>
-                                </p:cTn>
-                              </p:par>
-                            </p:childTnLst>
-                          </p:cTn>
-                        </p:par>
-                      </p:childTnLst>
-                    </p:cTn>
-                  </p:par>
-                </p:childTnLst>
-              </p:cTn>
-              <p:prevCondLst>
-                <p:cond evt="onPrev" delay="0">
-                  <p:tgtEl>
-                    <p:sldTgt/>
-                  </p:tgtEl>
-                </p:cond>
-              </p:prevCondLst>
-              <p:nextCondLst>
-                <p:cond evt="onNext" delay="0">
-                  <p:tgtEl>
-                    <p:sldTgt/>
-                  </p:tgtEl>
-                </p:cond>
-              </p:nextCondLst>
-            </p:seq>
-          </p:childTnLst>
-        </p:cTn>
-      </p:par>
-    </p:tnLst>
-    <p:bldLst>
-      <p:bldP spid="240" grpId="0" build="p"/>
-    </p:bldLst>
-  </p:timing>
-</p:sld>
-</file>
-
-<file path=ppt/slides/slide23.xml><?xml version="1.0" encoding="utf-8"?>
-<p:sld xmlns:a="http://schemas.openxmlformats.org/drawingml/2006/main" xmlns:r="http://schemas.openxmlformats.org/officeDocument/2006/relationships" xmlns:p="http://schemas.openxmlformats.org/presentationml/2006/main">
-  <p:cSld>
-    <p:spTree>
-      <p:nvGrpSpPr>
-        <p:cNvPr id="1" name=""/>
-        <p:cNvGrpSpPr/>
-        <p:nvPr/>
-      </p:nvGrpSpPr>
-      <p:grpSpPr>
-        <a:xfrm>
-          <a:off x="0" y="0"/>
-          <a:ext cx="0" cy="0"/>
-          <a:chOff x="0" y="0"/>
-          <a:chExt cx="0" cy="0"/>
-        </a:xfrm>
-      </p:grpSpPr>
-      <p:sp>
-        <p:nvSpPr>
-          <p:cNvPr id="2" name="Title 1">
-            <a:extLst>
-              <a:ext uri="{FF2B5EF4-FFF2-40B4-BE49-F238E27FC236}">
-                <a16:creationId xmlns:a16="http://schemas.microsoft.com/office/drawing/2014/main" id="{6280EC38-7ACF-42D7-900C-29D3ED36CE6A}"/>
-              </a:ext>
-            </a:extLst>
-          </p:cNvPr>
-          <p:cNvSpPr>
-            <a:spLocks noGrp="1"/>
-          </p:cNvSpPr>
-          <p:nvPr>
-            <p:ph type="title"/>
-          </p:nvPr>
-        </p:nvSpPr>
-        <p:spPr/>
-        <p:txBody>
-          <a:bodyPr/>
-          <a:lstStyle/>
-          <a:p>
-            <a:r>
-              <a:rPr lang="en-US" dirty="0"/>
-              <a:t>Contract</a:t>
-            </a:r>
-          </a:p>
-        </p:txBody>
-      </p:sp>
-      <p:sp>
-        <p:nvSpPr>
-          <p:cNvPr id="3" name="Text Placeholder 2">
-            <a:extLst>
-              <a:ext uri="{FF2B5EF4-FFF2-40B4-BE49-F238E27FC236}">
-                <a16:creationId xmlns:a16="http://schemas.microsoft.com/office/drawing/2014/main" id="{8BF6CD03-02F1-42B1-9BF5-8E4B12DF1EEB}"/>
-              </a:ext>
-            </a:extLst>
-          </p:cNvPr>
-          <p:cNvSpPr>
-            <a:spLocks noGrp="1"/>
-          </p:cNvSpPr>
-          <p:nvPr>
-            <p:ph type="body" idx="1"/>
-          </p:nvPr>
-        </p:nvSpPr>
-        <p:spPr/>
-        <p:txBody>
-          <a:bodyPr anchor="ctr"/>
-          <a:lstStyle/>
-          <a:p>
-            <a:r>
-              <a:rPr lang="en-US" dirty="0"/>
-              <a:t>A superclass essentially guarantees that all subclasses will have certain state and certain behavior – those that are defined in the super class</a:t>
-            </a:r>
-          </a:p>
-          <a:p>
-            <a:pPr marL="50800" indent="0">
-              <a:buNone/>
-            </a:pPr>
-            <a:endParaRPr lang="en-US" dirty="0"/>
-          </a:p>
-          <a:p>
-            <a:r>
-              <a:rPr lang="en-US" dirty="0"/>
-              <a:t>Therefore, it defines a contract between extending classes and all other classes. </a:t>
-            </a:r>
-          </a:p>
-          <a:p>
-            <a:endParaRPr lang="en-US" dirty="0"/>
-          </a:p>
-        </p:txBody>
-      </p:sp>
-      <p:sp>
-        <p:nvSpPr>
-          <p:cNvPr id="4" name="Slide Number Placeholder 3">
-            <a:extLst>
-              <a:ext uri="{FF2B5EF4-FFF2-40B4-BE49-F238E27FC236}">
-                <a16:creationId xmlns:a16="http://schemas.microsoft.com/office/drawing/2014/main" id="{2AC28ED9-3E51-4BE2-9A88-DC6D395D9396}"/>
-              </a:ext>
-            </a:extLst>
-          </p:cNvPr>
-          <p:cNvSpPr>
-            <a:spLocks noGrp="1"/>
-          </p:cNvSpPr>
-          <p:nvPr>
-            <p:ph type="sldNum" idx="12"/>
-          </p:nvPr>
-        </p:nvSpPr>
-        <p:spPr/>
-        <p:txBody>
-          <a:bodyPr/>
-          <a:lstStyle/>
-          <a:p>
-            <a:pPr marL="0" lvl="0" indent="0" algn="r" rtl="0">
-              <a:spcBef>
-                <a:spcPts val="0"/>
-              </a:spcBef>
-              <a:spcAft>
-                <a:spcPts val="0"/>
-              </a:spcAft>
-              <a:buNone/>
-            </a:pPr>
-            <a:fld id="{00000000-1234-1234-1234-123412341234}" type="slidenum">
-              <a:rPr lang="en-US" smtClean="0"/>
-              <a:t>22</a:t>
-            </a:fld>
-            <a:endParaRPr lang="en-US"/>
-          </a:p>
-        </p:txBody>
-      </p:sp>
-    </p:spTree>
-    <p:extLst>
-      <p:ext uri="{BB962C8B-B14F-4D97-AF65-F5344CB8AC3E}">
-        <p14:creationId xmlns:p14="http://schemas.microsoft.com/office/powerpoint/2010/main" val="4056689453"/>
-      </p:ext>
-    </p:extLst>
-  </p:cSld>
-  <p:clrMapOvr>
-    <a:masterClrMapping/>
-  </p:clrMapOvr>
-  <p:timing>
-    <p:tnLst>
-      <p:par>
-        <p:cTn id="1" dur="indefinite" restart="never" nodeType="tmRoot">
-          <p:childTnLst>
-            <p:seq concurrent="1" nextAc="seek">
-              <p:cTn id="2" dur="indefinite" nodeType="mainSeq">
-                <p:childTnLst>
-                  <p:par>
-                    <p:cTn id="3" fill="hold">
-                      <p:stCondLst>
-                        <p:cond delay="indefinite"/>
-                      </p:stCondLst>
-                      <p:childTnLst>
-                        <p:par>
-                          <p:cTn id="4" fill="hold">
-                            <p:stCondLst>
-                              <p:cond delay="0"/>
-                            </p:stCondLst>
-                            <p:childTnLst>
-                              <p:par>
-                                <p:cTn id="5" presetID="1" presetClass="entr" presetSubtype="0" fill="hold" grpId="0" nodeType="clickEffect">
-                                  <p:stCondLst>
-                                    <p:cond delay="0"/>
-                                  </p:stCondLst>
-                                  <p:childTnLst>
-                                    <p:set>
-                                      <p:cBhvr>
-                                        <p:cTn id="6" dur="1" fill="hold">
-                                          <p:stCondLst>
-                                            <p:cond delay="0"/>
-                                          </p:stCondLst>
-                                        </p:cTn>
-                                        <p:tgtEl>
-                                          <p:spTgt spid="3">
-                                            <p:txEl>
-                                              <p:pRg st="0" end="0"/>
-                                            </p:txEl>
-                                          </p:spTgt>
-                                        </p:tgtEl>
-                                        <p:attrNameLst>
-                                          <p:attrName>style.visibility</p:attrName>
-                                        </p:attrNameLst>
-                                      </p:cBhvr>
-                                      <p:to>
-                                        <p:strVal val="visible"/>
-                                      </p:to>
-                                    </p:set>
-                                  </p:childTnLst>
-                                </p:cTn>
-                              </p:par>
-                            </p:childTnLst>
-                          </p:cTn>
-                        </p:par>
-                      </p:childTnLst>
-                    </p:cTn>
-                  </p:par>
-                  <p:par>
-                    <p:cTn id="7" fill="hold">
-                      <p:stCondLst>
-                        <p:cond delay="indefinite"/>
-                      </p:stCondLst>
-                      <p:childTnLst>
-                        <p:par>
-                          <p:cTn id="8" fill="hold">
-                            <p:stCondLst>
-                              <p:cond delay="0"/>
-                            </p:stCondLst>
-                            <p:childTnLst>
-                              <p:par>
-                                <p:cTn id="9" presetID="1" presetClass="entr" presetSubtype="0" fill="hold" grpId="0" nodeType="clickEffect">
-                                  <p:stCondLst>
-                                    <p:cond delay="0"/>
-                                  </p:stCondLst>
-                                  <p:childTnLst>
-                                    <p:set>
-                                      <p:cBhvr>
-                                        <p:cTn id="10" dur="1" fill="hold">
-                                          <p:stCondLst>
-                                            <p:cond delay="0"/>
-                                          </p:stCondLst>
-                                        </p:cTn>
-                                        <p:tgtEl>
-                                          <p:spTgt spid="3">
-                                            <p:txEl>
-                                              <p:pRg st="2" end="2"/>
-                                            </p:txEl>
-                                          </p:spTgt>
-                                        </p:tgtEl>
-                                        <p:attrNameLst>
-                                          <p:attrName>style.visibility</p:attrName>
-                                        </p:attrNameLst>
-                                      </p:cBhvr>
-                                      <p:to>
-                                        <p:strVal val="visible"/>
-                                      </p:to>
-                                    </p:set>
-                                  </p:childTnLst>
-                                </p:cTn>
-                              </p:par>
-                            </p:childTnLst>
-                          </p:cTn>
-                        </p:par>
-                      </p:childTnLst>
-                    </p:cTn>
-                  </p:par>
-                </p:childTnLst>
-              </p:cTn>
-              <p:prevCondLst>
-                <p:cond evt="onPrev" delay="0">
-                  <p:tgtEl>
-                    <p:sldTgt/>
-                  </p:tgtEl>
-                </p:cond>
-              </p:prevCondLst>
-              <p:nextCondLst>
-                <p:cond evt="onNext" delay="0">
-                  <p:tgtEl>
-                    <p:sldTgt/>
-                  </p:tgtEl>
-                </p:cond>
-              </p:nextCondLst>
-            </p:seq>
-          </p:childTnLst>
-        </p:cTn>
-      </p:par>
-    </p:tnLst>
-    <p:bldLst>
-      <p:bldP spid="3" grpId="0" build="p"/>
-    </p:bldLst>
-  </p:timing>
-</p:sld>
-</file>
-
 <file path=ppt/slides/slide24.xml><?xml version="1.0" encoding="utf-8"?>
 <p:sld xmlns:a="http://schemas.openxmlformats.org/drawingml/2006/main" xmlns:r="http://schemas.openxmlformats.org/officeDocument/2006/relationships" xmlns:p="http://schemas.openxmlformats.org/presentationml/2006/main">
   <p:cSld>
@@ -42626,45 +42781,6 @@
           </a:bodyPr>
           <a:lstStyle/>
           <a:p>
-            <a:pPr marL="342900" indent="-342900">
-              <a:spcBef>
-                <a:spcPts val="0"/>
-              </a:spcBef>
-            </a:pPr>
-            <a:r>
-              <a:rPr lang="en-US" b="1" i="1" u="sng" dirty="0"/>
-              <a:t>Abstraction</a:t>
-            </a:r>
-            <a:r>
-              <a:rPr lang="en-US" dirty="0"/>
-              <a:t>: </a:t>
-            </a:r>
-            <a:r>
-              <a:rPr lang="en-US" sz="2400" dirty="0"/>
-              <a:t>The process of hiding implementation and processes of an entity to reduce complexity or increase understanding of a system’s properties.</a:t>
-            </a:r>
-          </a:p>
-          <a:p>
-            <a:pPr marL="342900" indent="-342900">
-              <a:spcBef>
-                <a:spcPts val="0"/>
-              </a:spcBef>
-            </a:pPr>
-            <a:r>
-              <a:rPr lang="en-US" b="1" i="1" u="sng" dirty="0"/>
-              <a:t>Polymorphism</a:t>
-            </a:r>
-            <a:r>
-              <a:rPr lang="en-US" dirty="0"/>
-              <a:t>: </a:t>
-            </a:r>
-            <a:r>
-              <a:rPr lang="en-US" sz="2400" dirty="0"/>
-              <a:t>The ability for objects, classes, variables and/or methods to alter functionality while maintaining structure.</a:t>
-            </a:r>
-            <a:endParaRPr lang="en-US" sz="2400" b="1" i="1" u="sng" dirty="0"/>
-          </a:p>
-          <a:p>
             <a:pPr marL="342900" lvl="0" indent="-342900" algn="l" rtl="0">
               <a:spcBef>
                 <a:spcPts val="0"/>
@@ -42724,7 +42840,6 @@
               <a:rPr lang="en-US" sz="2400" dirty="0"/>
               <a:t>The act of wrapping code into a single unit and then selectively exposing and restricting access to that code based on functionality or use within classes.</a:t>
             </a:r>
-            <a:endParaRPr lang="en-US" sz="800" dirty="0"/>
           </a:p>
           <a:p>
             <a:pPr marL="342900" lvl="0" indent="-342900" algn="l" rtl="0">
@@ -42738,6 +42853,67 @@
               <a:buChar char="•"/>
             </a:pPr>
             <a:endParaRPr lang="en-US" sz="800" dirty="0"/>
+          </a:p>
+          <a:p>
+            <a:pPr marL="342900" lvl="0" indent="-342900" algn="l" rtl="0">
+              <a:spcBef>
+                <a:spcPts val="0"/>
+              </a:spcBef>
+              <a:spcAft>
+                <a:spcPts val="0"/>
+              </a:spcAft>
+              <a:buSzPts val="2800"/>
+              <a:buChar char="•"/>
+            </a:pPr>
+            <a:r>
+              <a:rPr lang="en-US" b="1" i="1" u="sng" dirty="0"/>
+              <a:t>Polymorphism</a:t>
+            </a:r>
+            <a:r>
+              <a:rPr lang="en-US" dirty="0"/>
+              <a:t>: </a:t>
+            </a:r>
+            <a:r>
+              <a:rPr lang="en-US" sz="2400" dirty="0"/>
+              <a:t>The ability for objects, classes, variables and/or methods to alter functionality while maintaining structure.</a:t>
+            </a:r>
+          </a:p>
+          <a:p>
+            <a:pPr marL="342900" lvl="0" indent="-342900" algn="l" rtl="0">
+              <a:spcBef>
+                <a:spcPts val="0"/>
+              </a:spcBef>
+              <a:spcAft>
+                <a:spcPts val="0"/>
+              </a:spcAft>
+              <a:buSzPts val="2800"/>
+              <a:buChar char="•"/>
+            </a:pPr>
+            <a:endParaRPr lang="en-US" sz="800" dirty="0"/>
+          </a:p>
+          <a:p>
+            <a:pPr marL="342900" lvl="0" indent="-342900" algn="l" rtl="0">
+              <a:spcBef>
+                <a:spcPts val="0"/>
+              </a:spcBef>
+              <a:spcAft>
+                <a:spcPts val="0"/>
+              </a:spcAft>
+              <a:buSzPts val="2800"/>
+              <a:buChar char="•"/>
+            </a:pPr>
+            <a:r>
+              <a:rPr lang="en-US" b="1" i="1" u="sng" dirty="0"/>
+              <a:t>Abstraction</a:t>
+            </a:r>
+            <a:r>
+              <a:rPr lang="en-US" dirty="0"/>
+              <a:t>: </a:t>
+            </a:r>
+            <a:r>
+              <a:rPr lang="en-US" sz="2400" dirty="0"/>
+              <a:t>The process of hiding implementation and processes of an entity to reduce complexity or increase understanding of a system’s properties.</a:t>
+            </a:r>
           </a:p>
         </p:txBody>
       </p:sp>
@@ -42877,7 +43053,7 @@
                                         <p:tgtEl>
                                           <p:spTgt spid="226">
                                             <p:txEl>
-                                              <p:pRg st="1" end="1"/>
+                                              <p:pRg st="2" end="2"/>
                                             </p:txEl>
                                           </p:spTgt>
                                         </p:tgtEl>
@@ -42926,7 +43102,7 @@
                                         <p:tgtEl>
                                           <p:spTgt spid="226">
                                             <p:txEl>
-                                              <p:pRg st="2" end="2"/>
+                                              <p:pRg st="4" end="4"/>
                                             </p:txEl>
                                           </p:spTgt>
                                         </p:tgtEl>
@@ -42975,7 +43151,7 @@
                                         <p:tgtEl>
                                           <p:spTgt spid="226">
                                             <p:txEl>
-                                              <p:pRg st="4" end="4"/>
+                                              <p:pRg st="6" end="6"/>
                                             </p:txEl>
                                           </p:spTgt>
                                         </p:tgtEl>
@@ -43610,556 +43786,6 @@
           <p:cNvPr id="2" name="Title 1">
             <a:extLst>
               <a:ext uri="{FF2B5EF4-FFF2-40B4-BE49-F238E27FC236}">
-                <a16:creationId xmlns:a16="http://schemas.microsoft.com/office/drawing/2014/main" id="{BE61703F-DE3D-4F33-B6E3-C70EB3C64F3F}"/>
-              </a:ext>
-            </a:extLst>
-          </p:cNvPr>
-          <p:cNvSpPr>
-            <a:spLocks noGrp="1"/>
-          </p:cNvSpPr>
-          <p:nvPr>
-            <p:ph type="title"/>
-          </p:nvPr>
-        </p:nvSpPr>
-        <p:spPr/>
-        <p:txBody>
-          <a:bodyPr/>
-          <a:lstStyle/>
-          <a:p>
-            <a:r>
-              <a:rPr lang="en-US" dirty="0"/>
-              <a:t>Using Inheritance</a:t>
-            </a:r>
-          </a:p>
-        </p:txBody>
-      </p:sp>
-      <p:sp>
-        <p:nvSpPr>
-          <p:cNvPr id="3" name="Text Placeholder 2">
-            <a:extLst>
-              <a:ext uri="{FF2B5EF4-FFF2-40B4-BE49-F238E27FC236}">
-                <a16:creationId xmlns:a16="http://schemas.microsoft.com/office/drawing/2014/main" id="{457C2011-059E-4345-86D9-8E6015D46FD3}"/>
-              </a:ext>
-            </a:extLst>
-          </p:cNvPr>
-          <p:cNvSpPr>
-            <a:spLocks noGrp="1"/>
-          </p:cNvSpPr>
-          <p:nvPr>
-            <p:ph type="body" idx="1"/>
-          </p:nvPr>
-        </p:nvSpPr>
-        <p:spPr>
-          <a:xfrm>
-            <a:off x="159572" y="1481446"/>
-            <a:ext cx="3883646" cy="5100107"/>
-          </a:xfrm>
-        </p:spPr>
-        <p:txBody>
-          <a:bodyPr/>
-          <a:lstStyle/>
-          <a:p>
-            <a:r>
-              <a:rPr lang="en-US" sz="2400" dirty="0"/>
-              <a:t>Create a parent class</a:t>
-            </a:r>
-          </a:p>
-          <a:p>
-            <a:pPr lvl="1"/>
-            <a:r>
-              <a:rPr lang="en-US" sz="2000" dirty="0"/>
-              <a:t>Give the parent state and behavior that you want passed down </a:t>
-            </a:r>
-          </a:p>
-          <a:p>
-            <a:r>
-              <a:rPr lang="en-US" sz="2400" dirty="0"/>
-              <a:t>Create subclasses</a:t>
-            </a:r>
-          </a:p>
-          <a:p>
-            <a:pPr lvl="1"/>
-            <a:r>
-              <a:rPr lang="en-US" sz="2000" dirty="0"/>
-              <a:t>Use the </a:t>
-            </a:r>
-            <a:r>
-              <a:rPr lang="en-US" sz="2000" b="1" dirty="0"/>
-              <a:t>extend</a:t>
-            </a:r>
-            <a:r>
-              <a:rPr lang="en-US" sz="2000" dirty="0"/>
-              <a:t> keyword in the class definition and specify the superclass</a:t>
-            </a:r>
-          </a:p>
-          <a:p>
-            <a:r>
-              <a:rPr lang="en-US" sz="2400" dirty="0"/>
-              <a:t>Subclasses can have their own specific state and behavior as well as inherited members</a:t>
-            </a:r>
-          </a:p>
-        </p:txBody>
-      </p:sp>
-      <p:sp>
-        <p:nvSpPr>
-          <p:cNvPr id="4" name="Slide Number Placeholder 3">
-            <a:extLst>
-              <a:ext uri="{FF2B5EF4-FFF2-40B4-BE49-F238E27FC236}">
-                <a16:creationId xmlns:a16="http://schemas.microsoft.com/office/drawing/2014/main" id="{1A17D1BE-1CAA-47DD-9702-DF10C1F7CF88}"/>
-              </a:ext>
-            </a:extLst>
-          </p:cNvPr>
-          <p:cNvSpPr>
-            <a:spLocks noGrp="1"/>
-          </p:cNvSpPr>
-          <p:nvPr>
-            <p:ph type="sldNum" idx="12"/>
-          </p:nvPr>
-        </p:nvSpPr>
-        <p:spPr/>
-        <p:txBody>
-          <a:bodyPr/>
-          <a:lstStyle/>
-          <a:p>
-            <a:pPr marL="0" lvl="0" indent="0" algn="r" rtl="0">
-              <a:spcBef>
-                <a:spcPts val="0"/>
-              </a:spcBef>
-              <a:spcAft>
-                <a:spcPts val="0"/>
-              </a:spcAft>
-              <a:buNone/>
-            </a:pPr>
-            <a:fld id="{00000000-1234-1234-1234-123412341234}" type="slidenum">
-              <a:rPr lang="en-US" smtClean="0"/>
-              <a:t>6</a:t>
-            </a:fld>
-            <a:endParaRPr lang="en-US"/>
-          </a:p>
-        </p:txBody>
-      </p:sp>
-      <p:grpSp>
-        <p:nvGrpSpPr>
-          <p:cNvPr id="11" name="Group 10">
-            <a:extLst>
-              <a:ext uri="{FF2B5EF4-FFF2-40B4-BE49-F238E27FC236}">
-                <a16:creationId xmlns:a16="http://schemas.microsoft.com/office/drawing/2014/main" id="{98A63F73-C6B0-4AC0-BE43-88366FE0AB25}"/>
-              </a:ext>
-            </a:extLst>
-          </p:cNvPr>
-          <p:cNvGrpSpPr/>
-          <p:nvPr/>
-        </p:nvGrpSpPr>
-        <p:grpSpPr>
-          <a:xfrm>
-            <a:off x="4250176" y="1401688"/>
-            <a:ext cx="4532234" cy="5144586"/>
-            <a:chOff x="4260808" y="1584251"/>
-            <a:chExt cx="4532234" cy="5144586"/>
-          </a:xfrm>
-        </p:grpSpPr>
-        <p:sp>
-          <p:nvSpPr>
-            <p:cNvPr id="5" name="Rectangle 4">
-              <a:extLst>
-                <a:ext uri="{FF2B5EF4-FFF2-40B4-BE49-F238E27FC236}">
-                  <a16:creationId xmlns:a16="http://schemas.microsoft.com/office/drawing/2014/main" id="{E089F0C9-B1BF-4629-B87E-BB1705B5C6D8}"/>
-                </a:ext>
-              </a:extLst>
-            </p:cNvPr>
-            <p:cNvSpPr/>
-            <p:nvPr/>
-          </p:nvSpPr>
-          <p:spPr>
-            <a:xfrm>
-              <a:off x="4260809" y="1935126"/>
-              <a:ext cx="2083982" cy="1816596"/>
-            </a:xfrm>
-            <a:prstGeom prst="rect">
-              <a:avLst/>
-            </a:prstGeom>
-          </p:spPr>
-          <p:style>
-            <a:lnRef idx="2">
-              <a:schemeClr val="accent5">
-                <a:shade val="50000"/>
-              </a:schemeClr>
-            </a:lnRef>
-            <a:fillRef idx="1">
-              <a:schemeClr val="accent5"/>
-            </a:fillRef>
-            <a:effectRef idx="0">
-              <a:schemeClr val="accent5"/>
-            </a:effectRef>
-            <a:fontRef idx="minor">
-              <a:schemeClr val="lt1"/>
-            </a:fontRef>
-          </p:style>
-          <p:txBody>
-            <a:bodyPr rtlCol="0" anchor="ctr"/>
-            <a:lstStyle/>
-            <a:p>
-              <a:r>
-                <a:rPr lang="en-US" b="1" dirty="0"/>
-                <a:t>public class Animal {</a:t>
-              </a:r>
-            </a:p>
-            <a:p>
-              <a:endParaRPr lang="en-US" b="1" dirty="0"/>
-            </a:p>
-            <a:p>
-              <a:r>
-                <a:rPr lang="en-US" b="1" dirty="0"/>
-                <a:t>public String name;</a:t>
-              </a:r>
-            </a:p>
-            <a:p>
-              <a:r>
-                <a:rPr lang="en-US" b="1" dirty="0"/>
-                <a:t>public int age;</a:t>
-              </a:r>
-            </a:p>
-            <a:p>
-              <a:endParaRPr lang="en-US" b="1" dirty="0"/>
-            </a:p>
-            <a:p>
-              <a:r>
-                <a:rPr lang="en-US" b="1" dirty="0"/>
-                <a:t>}</a:t>
-              </a:r>
-            </a:p>
-          </p:txBody>
-        </p:sp>
-        <p:sp>
-          <p:nvSpPr>
-            <p:cNvPr id="6" name="Rectangle 5">
-              <a:extLst>
-                <a:ext uri="{FF2B5EF4-FFF2-40B4-BE49-F238E27FC236}">
-                  <a16:creationId xmlns:a16="http://schemas.microsoft.com/office/drawing/2014/main" id="{32F2B94E-1C5A-4D1E-850F-B8F3C036B984}"/>
-                </a:ext>
-              </a:extLst>
-            </p:cNvPr>
-            <p:cNvSpPr/>
-            <p:nvPr/>
-          </p:nvSpPr>
-          <p:spPr>
-            <a:xfrm>
-              <a:off x="6709060" y="1935124"/>
-              <a:ext cx="2083982" cy="1816597"/>
-            </a:xfrm>
-            <a:prstGeom prst="rect">
-              <a:avLst/>
-            </a:prstGeom>
-          </p:spPr>
-          <p:style>
-            <a:lnRef idx="2">
-              <a:schemeClr val="accent5">
-                <a:shade val="50000"/>
-              </a:schemeClr>
-            </a:lnRef>
-            <a:fillRef idx="1">
-              <a:schemeClr val="accent5"/>
-            </a:fillRef>
-            <a:effectRef idx="0">
-              <a:schemeClr val="accent5"/>
-            </a:effectRef>
-            <a:fontRef idx="minor">
-              <a:schemeClr val="lt1"/>
-            </a:fontRef>
-          </p:style>
-          <p:txBody>
-            <a:bodyPr rtlCol="0" anchor="ctr"/>
-            <a:lstStyle/>
-            <a:p>
-              <a:r>
-                <a:rPr lang="en-US" b="1" dirty="0"/>
-                <a:t>public class Dog extends Animal {</a:t>
-              </a:r>
-            </a:p>
-            <a:p>
-              <a:endParaRPr lang="en-US" b="1" dirty="0"/>
-            </a:p>
-            <a:p>
-              <a:r>
-                <a:rPr lang="en-US" b="1" dirty="0"/>
-                <a:t>Bark();</a:t>
-              </a:r>
-            </a:p>
-            <a:p>
-              <a:endParaRPr lang="en-US" b="1" dirty="0"/>
-            </a:p>
-            <a:p>
-              <a:r>
-                <a:rPr lang="en-US" b="1" dirty="0"/>
-                <a:t>}</a:t>
-              </a:r>
-            </a:p>
-          </p:txBody>
-        </p:sp>
-        <p:sp>
-          <p:nvSpPr>
-            <p:cNvPr id="7" name="Rectangle 6">
-              <a:extLst>
-                <a:ext uri="{FF2B5EF4-FFF2-40B4-BE49-F238E27FC236}">
-                  <a16:creationId xmlns:a16="http://schemas.microsoft.com/office/drawing/2014/main" id="{D1F38C60-2FF0-45E4-A637-F71ED8DF8A10}"/>
-                </a:ext>
-              </a:extLst>
-            </p:cNvPr>
-            <p:cNvSpPr/>
-            <p:nvPr/>
-          </p:nvSpPr>
-          <p:spPr>
-            <a:xfrm>
-              <a:off x="4260808" y="4380614"/>
-              <a:ext cx="4532233" cy="2348223"/>
-            </a:xfrm>
-            <a:prstGeom prst="rect">
-              <a:avLst/>
-            </a:prstGeom>
-          </p:spPr>
-          <p:style>
-            <a:lnRef idx="2">
-              <a:schemeClr val="accent5">
-                <a:shade val="50000"/>
-              </a:schemeClr>
-            </a:lnRef>
-            <a:fillRef idx="1">
-              <a:schemeClr val="accent5"/>
-            </a:fillRef>
-            <a:effectRef idx="0">
-              <a:schemeClr val="accent5"/>
-            </a:effectRef>
-            <a:fontRef idx="minor">
-              <a:schemeClr val="lt1"/>
-            </a:fontRef>
-          </p:style>
-          <p:txBody>
-            <a:bodyPr rtlCol="0" anchor="ctr"/>
-            <a:lstStyle/>
-            <a:p>
-              <a:r>
-                <a:rPr lang="en-US" b="1" dirty="0"/>
-                <a:t>public class Main {</a:t>
-              </a:r>
-            </a:p>
-            <a:p>
-              <a:r>
-                <a:rPr lang="en-US" b="1" dirty="0"/>
-                <a:t>      public static void main(String[] args) {</a:t>
-              </a:r>
-            </a:p>
-            <a:p>
-              <a:endParaRPr lang="en-US" b="1" dirty="0"/>
-            </a:p>
-            <a:p>
-              <a:r>
-                <a:rPr lang="en-US" b="1" dirty="0"/>
-                <a:t>            Dog </a:t>
-              </a:r>
-              <a:r>
-                <a:rPr lang="en-US" b="1" dirty="0" err="1"/>
-                <a:t>dog</a:t>
-              </a:r>
-              <a:r>
-                <a:rPr lang="en-US" b="1" dirty="0"/>
-                <a:t> = new Dog();</a:t>
-              </a:r>
-            </a:p>
-            <a:p>
-              <a:r>
-                <a:rPr lang="en-US" b="1" dirty="0"/>
-                <a:t>            dog.name = “Fido”;</a:t>
-              </a:r>
-            </a:p>
-            <a:p>
-              <a:r>
-                <a:rPr lang="en-US" b="1" dirty="0"/>
-                <a:t>            </a:t>
-              </a:r>
-              <a:r>
-                <a:rPr lang="en-US" b="1" dirty="0" err="1"/>
-                <a:t>dog.age</a:t>
-              </a:r>
-              <a:r>
-                <a:rPr lang="en-US" b="1" dirty="0"/>
-                <a:t> = 5;</a:t>
-              </a:r>
-            </a:p>
-            <a:p>
-              <a:r>
-                <a:rPr lang="en-US" b="1" dirty="0"/>
-                <a:t>            </a:t>
-              </a:r>
-              <a:r>
-                <a:rPr lang="en-US" b="1" dirty="0" err="1"/>
-                <a:t>dog.bark</a:t>
-              </a:r>
-              <a:r>
-                <a:rPr lang="en-US" b="1" dirty="0"/>
-                <a:t>();</a:t>
-              </a:r>
-            </a:p>
-            <a:p>
-              <a:r>
-                <a:rPr lang="en-US" b="1" dirty="0"/>
-                <a:t>      </a:t>
-              </a:r>
-            </a:p>
-            <a:p>
-              <a:r>
-                <a:rPr lang="en-US" b="1" dirty="0"/>
-                <a:t>      }</a:t>
-              </a:r>
-            </a:p>
-            <a:p>
-              <a:r>
-                <a:rPr lang="en-US" b="1" dirty="0"/>
-                <a:t>}</a:t>
-              </a:r>
-            </a:p>
-          </p:txBody>
-        </p:sp>
-        <p:sp>
-          <p:nvSpPr>
-            <p:cNvPr id="8" name="TextBox 7">
-              <a:extLst>
-                <a:ext uri="{FF2B5EF4-FFF2-40B4-BE49-F238E27FC236}">
-                  <a16:creationId xmlns:a16="http://schemas.microsoft.com/office/drawing/2014/main" id="{E5E11BA0-C67C-4FB3-8D65-E9EBE53438DE}"/>
-                </a:ext>
-              </a:extLst>
-            </p:cNvPr>
-            <p:cNvSpPr txBox="1"/>
-            <p:nvPr/>
-          </p:nvSpPr>
-          <p:spPr>
-            <a:xfrm>
-              <a:off x="4827181" y="1584251"/>
-              <a:ext cx="923651" cy="307777"/>
-            </a:xfrm>
-            <a:prstGeom prst="rect">
-              <a:avLst/>
-            </a:prstGeom>
-            <a:noFill/>
-          </p:spPr>
-          <p:txBody>
-            <a:bodyPr wrap="none" rtlCol="0">
-              <a:spAutoFit/>
-            </a:bodyPr>
-            <a:lstStyle/>
-            <a:p>
-              <a:r>
-                <a:rPr lang="en-US" b="1" dirty="0"/>
-                <a:t>PARENT</a:t>
-              </a:r>
-            </a:p>
-          </p:txBody>
-        </p:sp>
-        <p:sp>
-          <p:nvSpPr>
-            <p:cNvPr id="9" name="TextBox 8">
-              <a:extLst>
-                <a:ext uri="{FF2B5EF4-FFF2-40B4-BE49-F238E27FC236}">
-                  <a16:creationId xmlns:a16="http://schemas.microsoft.com/office/drawing/2014/main" id="{41C7ED8D-2C07-4068-9D8B-3F11B0ED14B5}"/>
-                </a:ext>
-              </a:extLst>
-            </p:cNvPr>
-            <p:cNvSpPr txBox="1"/>
-            <p:nvPr/>
-          </p:nvSpPr>
-          <p:spPr>
-            <a:xfrm>
-              <a:off x="7289225" y="1585442"/>
-              <a:ext cx="732893" cy="307777"/>
-            </a:xfrm>
-            <a:prstGeom prst="rect">
-              <a:avLst/>
-            </a:prstGeom>
-            <a:noFill/>
-          </p:spPr>
-          <p:txBody>
-            <a:bodyPr wrap="none" rtlCol="0">
-              <a:spAutoFit/>
-            </a:bodyPr>
-            <a:lstStyle/>
-            <a:p>
-              <a:r>
-                <a:rPr lang="en-US" b="1" dirty="0"/>
-                <a:t>CHILD</a:t>
-              </a:r>
-            </a:p>
-          </p:txBody>
-        </p:sp>
-        <p:sp>
-          <p:nvSpPr>
-            <p:cNvPr id="10" name="TextBox 9">
-              <a:extLst>
-                <a:ext uri="{FF2B5EF4-FFF2-40B4-BE49-F238E27FC236}">
-                  <a16:creationId xmlns:a16="http://schemas.microsoft.com/office/drawing/2014/main" id="{C9749F58-B1BC-481B-8206-BEEB7BAC8A75}"/>
-                </a:ext>
-              </a:extLst>
-            </p:cNvPr>
-            <p:cNvSpPr txBox="1"/>
-            <p:nvPr/>
-          </p:nvSpPr>
-          <p:spPr>
-            <a:xfrm>
-              <a:off x="5208294" y="4011993"/>
-              <a:ext cx="2637260" cy="307777"/>
-            </a:xfrm>
-            <a:prstGeom prst="rect">
-              <a:avLst/>
-            </a:prstGeom>
-            <a:noFill/>
-          </p:spPr>
-          <p:txBody>
-            <a:bodyPr wrap="none" rtlCol="0">
-              <a:spAutoFit/>
-            </a:bodyPr>
-            <a:lstStyle/>
-            <a:p>
-              <a:r>
-                <a:rPr lang="en-US" b="1" dirty="0"/>
-                <a:t>CLASS WITH MAIN METHOD</a:t>
-              </a:r>
-            </a:p>
-          </p:txBody>
-        </p:sp>
-      </p:grpSp>
-    </p:spTree>
-    <p:extLst>
-      <p:ext uri="{BB962C8B-B14F-4D97-AF65-F5344CB8AC3E}">
-        <p14:creationId xmlns:p14="http://schemas.microsoft.com/office/powerpoint/2010/main" val="3677310880"/>
-      </p:ext>
-    </p:extLst>
-  </p:cSld>
-  <p:clrMapOvr>
-    <a:masterClrMapping/>
-  </p:clrMapOvr>
-</p:sld>
-</file>
-
-<file path=ppt/slides/slide8.xml><?xml version="1.0" encoding="utf-8"?>
-<p:sld xmlns:a="http://schemas.openxmlformats.org/drawingml/2006/main" xmlns:r="http://schemas.openxmlformats.org/officeDocument/2006/relationships" xmlns:p="http://schemas.openxmlformats.org/presentationml/2006/main">
-  <p:cSld>
-    <p:spTree>
-      <p:nvGrpSpPr>
-        <p:cNvPr id="1" name=""/>
-        <p:cNvGrpSpPr/>
-        <p:nvPr/>
-      </p:nvGrpSpPr>
-      <p:grpSpPr>
-        <a:xfrm>
-          <a:off x="0" y="0"/>
-          <a:ext cx="0" cy="0"/>
-          <a:chOff x="0" y="0"/>
-          <a:chExt cx="0" cy="0"/>
-        </a:xfrm>
-      </p:grpSpPr>
-      <p:sp>
-        <p:nvSpPr>
-          <p:cNvPr id="2" name="Title 1">
-            <a:extLst>
-              <a:ext uri="{FF2B5EF4-FFF2-40B4-BE49-F238E27FC236}">
                 <a16:creationId xmlns:a16="http://schemas.microsoft.com/office/drawing/2014/main" id="{7ABD5CF2-FF4F-4AE9-9DC2-52A834E02852}"/>
               </a:ext>
             </a:extLst>
@@ -44215,7 +43841,7 @@
             </a:pPr>
             <a:fld id="{00000000-1234-1234-1234-123412341234}" type="slidenum">
               <a:rPr lang="en-US" smtClean="0"/>
-              <a:t>7</a:t>
+              <a:t>6</a:t>
             </a:fld>
             <a:endParaRPr lang="en-US"/>
           </a:p>
@@ -44237,7 +43863,7 @@
         </p:nvCxnSpPr>
         <p:spPr>
           <a:xfrm flipV="1">
-            <a:off x="5766282" y="4401909"/>
+            <a:off x="5879344" y="4489379"/>
             <a:ext cx="0" cy="584891"/>
           </a:xfrm>
           <a:prstGeom prst="straightConnector1">
@@ -44277,9 +43903,9 @@
         <p:grpSpPr>
           <a:xfrm>
             <a:off x="116873" y="1512659"/>
-            <a:ext cx="6448264" cy="4737519"/>
+            <a:ext cx="6448264" cy="4952669"/>
             <a:chOff x="116873" y="1512659"/>
-            <a:chExt cx="6448264" cy="4737519"/>
+            <a:chExt cx="6448264" cy="4952669"/>
           </a:xfrm>
         </p:grpSpPr>
         <p:sp>
@@ -44400,21 +44026,6 @@
               <a:pPr algn="ctr"/>
               <a:r>
                 <a:rPr lang="en-US" b="1" dirty="0"/>
-                <a:t>String </a:t>
-              </a:r>
-              <a:r>
-                <a:rPr lang="en-US" b="1" dirty="0" err="1"/>
-                <a:t>ownerName</a:t>
-              </a:r>
-              <a:r>
-                <a:rPr lang="en-US" b="1" dirty="0"/>
-                <a:t>;</a:t>
-              </a:r>
-            </a:p>
-            <a:p>
-              <a:pPr algn="ctr"/>
-              <a:r>
-                <a:rPr lang="en-US" b="1" dirty="0"/>
                 <a:t>Meow()</a:t>
               </a:r>
             </a:p>
@@ -44504,7 +44115,7 @@
           </p:nvSpPr>
           <p:spPr>
             <a:xfrm>
-              <a:off x="5087079" y="5026028"/>
+              <a:off x="5200141" y="5241178"/>
               <a:ext cx="1358406" cy="1224150"/>
             </a:xfrm>
             <a:prstGeom prst="rect">
@@ -45663,6 +45274,556 @@
 </p:sld>
 </file>
 
+<file path=ppt/slides/slide8.xml><?xml version="1.0" encoding="utf-8"?>
+<p:sld xmlns:a="http://schemas.openxmlformats.org/drawingml/2006/main" xmlns:r="http://schemas.openxmlformats.org/officeDocument/2006/relationships" xmlns:p="http://schemas.openxmlformats.org/presentationml/2006/main">
+  <p:cSld>
+    <p:spTree>
+      <p:nvGrpSpPr>
+        <p:cNvPr id="1" name=""/>
+        <p:cNvGrpSpPr/>
+        <p:nvPr/>
+      </p:nvGrpSpPr>
+      <p:grpSpPr>
+        <a:xfrm>
+          <a:off x="0" y="0"/>
+          <a:ext cx="0" cy="0"/>
+          <a:chOff x="0" y="0"/>
+          <a:chExt cx="0" cy="0"/>
+        </a:xfrm>
+      </p:grpSpPr>
+      <p:sp>
+        <p:nvSpPr>
+          <p:cNvPr id="2" name="Title 1">
+            <a:extLst>
+              <a:ext uri="{FF2B5EF4-FFF2-40B4-BE49-F238E27FC236}">
+                <a16:creationId xmlns:a16="http://schemas.microsoft.com/office/drawing/2014/main" id="{BE61703F-DE3D-4F33-B6E3-C70EB3C64F3F}"/>
+              </a:ext>
+            </a:extLst>
+          </p:cNvPr>
+          <p:cNvSpPr>
+            <a:spLocks noGrp="1"/>
+          </p:cNvSpPr>
+          <p:nvPr>
+            <p:ph type="title"/>
+          </p:nvPr>
+        </p:nvSpPr>
+        <p:spPr/>
+        <p:txBody>
+          <a:bodyPr/>
+          <a:lstStyle/>
+          <a:p>
+            <a:r>
+              <a:rPr lang="en-US" dirty="0"/>
+              <a:t>Using Inheritance</a:t>
+            </a:r>
+          </a:p>
+        </p:txBody>
+      </p:sp>
+      <p:sp>
+        <p:nvSpPr>
+          <p:cNvPr id="3" name="Text Placeholder 2">
+            <a:extLst>
+              <a:ext uri="{FF2B5EF4-FFF2-40B4-BE49-F238E27FC236}">
+                <a16:creationId xmlns:a16="http://schemas.microsoft.com/office/drawing/2014/main" id="{457C2011-059E-4345-86D9-8E6015D46FD3}"/>
+              </a:ext>
+            </a:extLst>
+          </p:cNvPr>
+          <p:cNvSpPr>
+            <a:spLocks noGrp="1"/>
+          </p:cNvSpPr>
+          <p:nvPr>
+            <p:ph type="body" idx="1"/>
+          </p:nvPr>
+        </p:nvSpPr>
+        <p:spPr>
+          <a:xfrm>
+            <a:off x="159572" y="1481446"/>
+            <a:ext cx="3883646" cy="5100107"/>
+          </a:xfrm>
+        </p:spPr>
+        <p:txBody>
+          <a:bodyPr/>
+          <a:lstStyle/>
+          <a:p>
+            <a:r>
+              <a:rPr lang="en-US" sz="2400" dirty="0"/>
+              <a:t>Create a parent class</a:t>
+            </a:r>
+          </a:p>
+          <a:p>
+            <a:pPr lvl="1"/>
+            <a:r>
+              <a:rPr lang="en-US" sz="2000" dirty="0"/>
+              <a:t>Give the parent state and behavior that you want passed down </a:t>
+            </a:r>
+          </a:p>
+          <a:p>
+            <a:r>
+              <a:rPr lang="en-US" sz="2400" dirty="0"/>
+              <a:t>Create subclasses</a:t>
+            </a:r>
+          </a:p>
+          <a:p>
+            <a:pPr lvl="1"/>
+            <a:r>
+              <a:rPr lang="en-US" sz="2000" dirty="0"/>
+              <a:t>Use the </a:t>
+            </a:r>
+            <a:r>
+              <a:rPr lang="en-US" sz="2000" b="1" dirty="0"/>
+              <a:t>extends</a:t>
+            </a:r>
+            <a:r>
+              <a:rPr lang="en-US" sz="2000" dirty="0"/>
+              <a:t> keyword in the class definition and specify the superclass</a:t>
+            </a:r>
+          </a:p>
+          <a:p>
+            <a:r>
+              <a:rPr lang="en-US" sz="2400" dirty="0"/>
+              <a:t>Subclasses can have their own specific state and behavior as well as inherited members</a:t>
+            </a:r>
+          </a:p>
+        </p:txBody>
+      </p:sp>
+      <p:sp>
+        <p:nvSpPr>
+          <p:cNvPr id="4" name="Slide Number Placeholder 3">
+            <a:extLst>
+              <a:ext uri="{FF2B5EF4-FFF2-40B4-BE49-F238E27FC236}">
+                <a16:creationId xmlns:a16="http://schemas.microsoft.com/office/drawing/2014/main" id="{1A17D1BE-1CAA-47DD-9702-DF10C1F7CF88}"/>
+              </a:ext>
+            </a:extLst>
+          </p:cNvPr>
+          <p:cNvSpPr>
+            <a:spLocks noGrp="1"/>
+          </p:cNvSpPr>
+          <p:nvPr>
+            <p:ph type="sldNum" idx="12"/>
+          </p:nvPr>
+        </p:nvSpPr>
+        <p:spPr/>
+        <p:txBody>
+          <a:bodyPr/>
+          <a:lstStyle/>
+          <a:p>
+            <a:pPr marL="0" lvl="0" indent="0" algn="r" rtl="0">
+              <a:spcBef>
+                <a:spcPts val="0"/>
+              </a:spcBef>
+              <a:spcAft>
+                <a:spcPts val="0"/>
+              </a:spcAft>
+              <a:buNone/>
+            </a:pPr>
+            <a:fld id="{00000000-1234-1234-1234-123412341234}" type="slidenum">
+              <a:rPr lang="en-US" smtClean="0"/>
+              <a:t>7</a:t>
+            </a:fld>
+            <a:endParaRPr lang="en-US"/>
+          </a:p>
+        </p:txBody>
+      </p:sp>
+      <p:grpSp>
+        <p:nvGrpSpPr>
+          <p:cNvPr id="11" name="Group 10">
+            <a:extLst>
+              <a:ext uri="{FF2B5EF4-FFF2-40B4-BE49-F238E27FC236}">
+                <a16:creationId xmlns:a16="http://schemas.microsoft.com/office/drawing/2014/main" id="{98A63F73-C6B0-4AC0-BE43-88366FE0AB25}"/>
+              </a:ext>
+            </a:extLst>
+          </p:cNvPr>
+          <p:cNvGrpSpPr/>
+          <p:nvPr/>
+        </p:nvGrpSpPr>
+        <p:grpSpPr>
+          <a:xfrm>
+            <a:off x="4250176" y="1401688"/>
+            <a:ext cx="4532234" cy="5144586"/>
+            <a:chOff x="4260808" y="1584251"/>
+            <a:chExt cx="4532234" cy="5144586"/>
+          </a:xfrm>
+        </p:grpSpPr>
+        <p:sp>
+          <p:nvSpPr>
+            <p:cNvPr id="5" name="Rectangle 4">
+              <a:extLst>
+                <a:ext uri="{FF2B5EF4-FFF2-40B4-BE49-F238E27FC236}">
+                  <a16:creationId xmlns:a16="http://schemas.microsoft.com/office/drawing/2014/main" id="{E089F0C9-B1BF-4629-B87E-BB1705B5C6D8}"/>
+                </a:ext>
+              </a:extLst>
+            </p:cNvPr>
+            <p:cNvSpPr/>
+            <p:nvPr/>
+          </p:nvSpPr>
+          <p:spPr>
+            <a:xfrm>
+              <a:off x="4260809" y="1935126"/>
+              <a:ext cx="2083982" cy="1816596"/>
+            </a:xfrm>
+            <a:prstGeom prst="rect">
+              <a:avLst/>
+            </a:prstGeom>
+          </p:spPr>
+          <p:style>
+            <a:lnRef idx="2">
+              <a:schemeClr val="accent5">
+                <a:shade val="50000"/>
+              </a:schemeClr>
+            </a:lnRef>
+            <a:fillRef idx="1">
+              <a:schemeClr val="accent5"/>
+            </a:fillRef>
+            <a:effectRef idx="0">
+              <a:schemeClr val="accent5"/>
+            </a:effectRef>
+            <a:fontRef idx="minor">
+              <a:schemeClr val="lt1"/>
+            </a:fontRef>
+          </p:style>
+          <p:txBody>
+            <a:bodyPr rtlCol="0" anchor="ctr"/>
+            <a:lstStyle/>
+            <a:p>
+              <a:r>
+                <a:rPr lang="en-US" b="1" dirty="0"/>
+                <a:t>public class Animal {</a:t>
+              </a:r>
+            </a:p>
+            <a:p>
+              <a:endParaRPr lang="en-US" b="1" dirty="0"/>
+            </a:p>
+            <a:p>
+              <a:r>
+                <a:rPr lang="en-US" b="1" dirty="0"/>
+                <a:t>public String name;</a:t>
+              </a:r>
+            </a:p>
+            <a:p>
+              <a:r>
+                <a:rPr lang="en-US" b="1" dirty="0"/>
+                <a:t>public int age;</a:t>
+              </a:r>
+            </a:p>
+            <a:p>
+              <a:endParaRPr lang="en-US" b="1" dirty="0"/>
+            </a:p>
+            <a:p>
+              <a:r>
+                <a:rPr lang="en-US" b="1" dirty="0"/>
+                <a:t>}</a:t>
+              </a:r>
+            </a:p>
+          </p:txBody>
+        </p:sp>
+        <p:sp>
+          <p:nvSpPr>
+            <p:cNvPr id="6" name="Rectangle 5">
+              <a:extLst>
+                <a:ext uri="{FF2B5EF4-FFF2-40B4-BE49-F238E27FC236}">
+                  <a16:creationId xmlns:a16="http://schemas.microsoft.com/office/drawing/2014/main" id="{32F2B94E-1C5A-4D1E-850F-B8F3C036B984}"/>
+                </a:ext>
+              </a:extLst>
+            </p:cNvPr>
+            <p:cNvSpPr/>
+            <p:nvPr/>
+          </p:nvSpPr>
+          <p:spPr>
+            <a:xfrm>
+              <a:off x="6709060" y="1935124"/>
+              <a:ext cx="2083982" cy="1816597"/>
+            </a:xfrm>
+            <a:prstGeom prst="rect">
+              <a:avLst/>
+            </a:prstGeom>
+          </p:spPr>
+          <p:style>
+            <a:lnRef idx="2">
+              <a:schemeClr val="accent5">
+                <a:shade val="50000"/>
+              </a:schemeClr>
+            </a:lnRef>
+            <a:fillRef idx="1">
+              <a:schemeClr val="accent5"/>
+            </a:fillRef>
+            <a:effectRef idx="0">
+              <a:schemeClr val="accent5"/>
+            </a:effectRef>
+            <a:fontRef idx="minor">
+              <a:schemeClr val="lt1"/>
+            </a:fontRef>
+          </p:style>
+          <p:txBody>
+            <a:bodyPr rtlCol="0" anchor="ctr"/>
+            <a:lstStyle/>
+            <a:p>
+              <a:r>
+                <a:rPr lang="en-US" b="1" dirty="0"/>
+                <a:t>public class Dog extends Animal {</a:t>
+              </a:r>
+            </a:p>
+            <a:p>
+              <a:endParaRPr lang="en-US" b="1" dirty="0"/>
+            </a:p>
+            <a:p>
+              <a:r>
+                <a:rPr lang="en-US" b="1" dirty="0"/>
+                <a:t>bark();</a:t>
+              </a:r>
+            </a:p>
+            <a:p>
+              <a:endParaRPr lang="en-US" b="1" dirty="0"/>
+            </a:p>
+            <a:p>
+              <a:r>
+                <a:rPr lang="en-US" b="1" dirty="0"/>
+                <a:t>}</a:t>
+              </a:r>
+            </a:p>
+          </p:txBody>
+        </p:sp>
+        <p:sp>
+          <p:nvSpPr>
+            <p:cNvPr id="7" name="Rectangle 6">
+              <a:extLst>
+                <a:ext uri="{FF2B5EF4-FFF2-40B4-BE49-F238E27FC236}">
+                  <a16:creationId xmlns:a16="http://schemas.microsoft.com/office/drawing/2014/main" id="{D1F38C60-2FF0-45E4-A637-F71ED8DF8A10}"/>
+                </a:ext>
+              </a:extLst>
+            </p:cNvPr>
+            <p:cNvSpPr/>
+            <p:nvPr/>
+          </p:nvSpPr>
+          <p:spPr>
+            <a:xfrm>
+              <a:off x="4260808" y="4380614"/>
+              <a:ext cx="4532233" cy="2348223"/>
+            </a:xfrm>
+            <a:prstGeom prst="rect">
+              <a:avLst/>
+            </a:prstGeom>
+          </p:spPr>
+          <p:style>
+            <a:lnRef idx="2">
+              <a:schemeClr val="accent5">
+                <a:shade val="50000"/>
+              </a:schemeClr>
+            </a:lnRef>
+            <a:fillRef idx="1">
+              <a:schemeClr val="accent5"/>
+            </a:fillRef>
+            <a:effectRef idx="0">
+              <a:schemeClr val="accent5"/>
+            </a:effectRef>
+            <a:fontRef idx="minor">
+              <a:schemeClr val="lt1"/>
+            </a:fontRef>
+          </p:style>
+          <p:txBody>
+            <a:bodyPr rtlCol="0" anchor="ctr"/>
+            <a:lstStyle/>
+            <a:p>
+              <a:r>
+                <a:rPr lang="en-US" b="1" dirty="0"/>
+                <a:t>public class Main {</a:t>
+              </a:r>
+            </a:p>
+            <a:p>
+              <a:r>
+                <a:rPr lang="en-US" b="1" dirty="0"/>
+                <a:t>      public static void main(String[] args) {</a:t>
+              </a:r>
+            </a:p>
+            <a:p>
+              <a:endParaRPr lang="en-US" b="1" dirty="0"/>
+            </a:p>
+            <a:p>
+              <a:r>
+                <a:rPr lang="en-US" b="1" dirty="0"/>
+                <a:t>            Dog </a:t>
+              </a:r>
+              <a:r>
+                <a:rPr lang="en-US" b="1" dirty="0" err="1"/>
+                <a:t>dog</a:t>
+              </a:r>
+              <a:r>
+                <a:rPr lang="en-US" b="1" dirty="0"/>
+                <a:t> = new Dog();</a:t>
+              </a:r>
+            </a:p>
+            <a:p>
+              <a:r>
+                <a:rPr lang="en-US" b="1" dirty="0"/>
+                <a:t>            dog.name = “Fido”;</a:t>
+              </a:r>
+            </a:p>
+            <a:p>
+              <a:r>
+                <a:rPr lang="en-US" b="1" dirty="0"/>
+                <a:t>            </a:t>
+              </a:r>
+              <a:r>
+                <a:rPr lang="en-US" b="1" dirty="0" err="1"/>
+                <a:t>dog.age</a:t>
+              </a:r>
+              <a:r>
+                <a:rPr lang="en-US" b="1" dirty="0"/>
+                <a:t> = 5;</a:t>
+              </a:r>
+            </a:p>
+            <a:p>
+              <a:r>
+                <a:rPr lang="en-US" b="1" dirty="0"/>
+                <a:t>            </a:t>
+              </a:r>
+              <a:r>
+                <a:rPr lang="en-US" b="1" dirty="0" err="1"/>
+                <a:t>dog.bark</a:t>
+              </a:r>
+              <a:r>
+                <a:rPr lang="en-US" b="1" dirty="0"/>
+                <a:t>();</a:t>
+              </a:r>
+            </a:p>
+            <a:p>
+              <a:r>
+                <a:rPr lang="en-US" b="1" dirty="0"/>
+                <a:t>      </a:t>
+              </a:r>
+            </a:p>
+            <a:p>
+              <a:r>
+                <a:rPr lang="en-US" b="1" dirty="0"/>
+                <a:t>      }</a:t>
+              </a:r>
+            </a:p>
+            <a:p>
+              <a:r>
+                <a:rPr lang="en-US" b="1" dirty="0"/>
+                <a:t>}</a:t>
+              </a:r>
+            </a:p>
+          </p:txBody>
+        </p:sp>
+        <p:sp>
+          <p:nvSpPr>
+            <p:cNvPr id="8" name="TextBox 7">
+              <a:extLst>
+                <a:ext uri="{FF2B5EF4-FFF2-40B4-BE49-F238E27FC236}">
+                  <a16:creationId xmlns:a16="http://schemas.microsoft.com/office/drawing/2014/main" id="{E5E11BA0-C67C-4FB3-8D65-E9EBE53438DE}"/>
+                </a:ext>
+              </a:extLst>
+            </p:cNvPr>
+            <p:cNvSpPr txBox="1"/>
+            <p:nvPr/>
+          </p:nvSpPr>
+          <p:spPr>
+            <a:xfrm>
+              <a:off x="4827181" y="1584251"/>
+              <a:ext cx="923651" cy="307777"/>
+            </a:xfrm>
+            <a:prstGeom prst="rect">
+              <a:avLst/>
+            </a:prstGeom>
+            <a:noFill/>
+          </p:spPr>
+          <p:txBody>
+            <a:bodyPr wrap="none" rtlCol="0">
+              <a:spAutoFit/>
+            </a:bodyPr>
+            <a:lstStyle/>
+            <a:p>
+              <a:r>
+                <a:rPr lang="en-US" b="1" dirty="0"/>
+                <a:t>PARENT</a:t>
+              </a:r>
+            </a:p>
+          </p:txBody>
+        </p:sp>
+        <p:sp>
+          <p:nvSpPr>
+            <p:cNvPr id="9" name="TextBox 8">
+              <a:extLst>
+                <a:ext uri="{FF2B5EF4-FFF2-40B4-BE49-F238E27FC236}">
+                  <a16:creationId xmlns:a16="http://schemas.microsoft.com/office/drawing/2014/main" id="{41C7ED8D-2C07-4068-9D8B-3F11B0ED14B5}"/>
+                </a:ext>
+              </a:extLst>
+            </p:cNvPr>
+            <p:cNvSpPr txBox="1"/>
+            <p:nvPr/>
+          </p:nvSpPr>
+          <p:spPr>
+            <a:xfrm>
+              <a:off x="7289225" y="1585442"/>
+              <a:ext cx="732893" cy="307777"/>
+            </a:xfrm>
+            <a:prstGeom prst="rect">
+              <a:avLst/>
+            </a:prstGeom>
+            <a:noFill/>
+          </p:spPr>
+          <p:txBody>
+            <a:bodyPr wrap="none" rtlCol="0">
+              <a:spAutoFit/>
+            </a:bodyPr>
+            <a:lstStyle/>
+            <a:p>
+              <a:r>
+                <a:rPr lang="en-US" b="1" dirty="0"/>
+                <a:t>CHILD</a:t>
+              </a:r>
+            </a:p>
+          </p:txBody>
+        </p:sp>
+        <p:sp>
+          <p:nvSpPr>
+            <p:cNvPr id="10" name="TextBox 9">
+              <a:extLst>
+                <a:ext uri="{FF2B5EF4-FFF2-40B4-BE49-F238E27FC236}">
+                  <a16:creationId xmlns:a16="http://schemas.microsoft.com/office/drawing/2014/main" id="{C9749F58-B1BC-481B-8206-BEEB7BAC8A75}"/>
+                </a:ext>
+              </a:extLst>
+            </p:cNvPr>
+            <p:cNvSpPr txBox="1"/>
+            <p:nvPr/>
+          </p:nvSpPr>
+          <p:spPr>
+            <a:xfrm>
+              <a:off x="5208294" y="4011993"/>
+              <a:ext cx="2637260" cy="307777"/>
+            </a:xfrm>
+            <a:prstGeom prst="rect">
+              <a:avLst/>
+            </a:prstGeom>
+            <a:noFill/>
+          </p:spPr>
+          <p:txBody>
+            <a:bodyPr wrap="none" rtlCol="0">
+              <a:spAutoFit/>
+            </a:bodyPr>
+            <a:lstStyle/>
+            <a:p>
+              <a:r>
+                <a:rPr lang="en-US" b="1" dirty="0"/>
+                <a:t>CLASS WITH MAIN METHOD</a:t>
+              </a:r>
+            </a:p>
+          </p:txBody>
+        </p:sp>
+      </p:grpSp>
+    </p:spTree>
+    <p:extLst>
+      <p:ext uri="{BB962C8B-B14F-4D97-AF65-F5344CB8AC3E}">
+        <p14:creationId xmlns:p14="http://schemas.microsoft.com/office/powerpoint/2010/main" val="3677310880"/>
+      </p:ext>
+    </p:extLst>
+  </p:cSld>
+  <p:clrMapOvr>
+    <a:masterClrMapping/>
+  </p:clrMapOvr>
+</p:sld>
+</file>
+
 <file path=ppt/slides/slide9.xml><?xml version="1.0" encoding="utf-8"?>
 <p:sld xmlns:a="http://schemas.openxmlformats.org/drawingml/2006/main" xmlns:r="http://schemas.openxmlformats.org/officeDocument/2006/relationships" xmlns:p="http://schemas.openxmlformats.org/presentationml/2006/main">
   <p:cSld>
@@ -46325,4 +46486,258 @@
   <a:objectDefaults/>
   <a:extraClrSchemeLst/>
 </a:theme>
+</file>
+
+<file path=customXml/item1.xml><?xml version="1.0" encoding="utf-8"?>
+<ct:contentTypeSchema xmlns:ct="http://schemas.microsoft.com/office/2006/metadata/contentType" xmlns:ma="http://schemas.microsoft.com/office/2006/metadata/properties/metaAttributes" ct:_="" ma:_="" ma:contentTypeName="Document" ma:contentTypeID="0x0101008BD2F010722D7D4D902378845F41F1B2" ma:contentTypeVersion="13" ma:contentTypeDescription="Create a new document." ma:contentTypeScope="" ma:versionID="b68d56871977609000cd171c9412956f">
+  <xsd:schema xmlns:xsd="http://www.w3.org/2001/XMLSchema" xmlns:xs="http://www.w3.org/2001/XMLSchema" xmlns:p="http://schemas.microsoft.com/office/2006/metadata/properties" xmlns:ns2="16399201-8c70-4094-bedf-0e0052933be2" xmlns:ns3="c1d1d668-1a17-41cc-8e51-02c957e8f86c" targetNamespace="http://schemas.microsoft.com/office/2006/metadata/properties" ma:root="true" ma:fieldsID="8d4e77ac156dfa649f0a05adbe1f888e" ns2:_="" ns3:_="">
+    <xsd:import namespace="16399201-8c70-4094-bedf-0e0052933be2"/>
+    <xsd:import namespace="c1d1d668-1a17-41cc-8e51-02c957e8f86c"/>
+    <xsd:element name="properties">
+      <xsd:complexType>
+        <xsd:sequence>
+          <xsd:element name="documentManagement">
+            <xsd:complexType>
+              <xsd:all>
+                <xsd:element ref="ns2:MediaServiceMetadata" minOccurs="0"/>
+                <xsd:element ref="ns2:MediaServiceFastMetadata" minOccurs="0"/>
+                <xsd:element ref="ns2:MediaServiceAutoTags" minOccurs="0"/>
+                <xsd:element ref="ns2:MediaServiceGenerationTime" minOccurs="0"/>
+                <xsd:element ref="ns2:MediaServiceEventHashCode" minOccurs="0"/>
+                <xsd:element ref="ns2:MediaServiceOCR" minOccurs="0"/>
+                <xsd:element ref="ns2:MediaServiceDateTaken" minOccurs="0"/>
+                <xsd:element ref="ns3:SharedWithUsers" minOccurs="0"/>
+                <xsd:element ref="ns3:SharedWithDetails" minOccurs="0"/>
+                <xsd:element ref="ns2:MediaServiceAutoKeyPoints" minOccurs="0"/>
+                <xsd:element ref="ns2:MediaServiceKeyPoints" minOccurs="0"/>
+                <xsd:element ref="ns2:MediaLengthInSeconds" minOccurs="0"/>
+                <xsd:element ref="ns2:Details" minOccurs="0"/>
+              </xsd:all>
+            </xsd:complexType>
+          </xsd:element>
+        </xsd:sequence>
+      </xsd:complexType>
+    </xsd:element>
+  </xsd:schema>
+  <xsd:schema xmlns:xsd="http://www.w3.org/2001/XMLSchema" xmlns:xs="http://www.w3.org/2001/XMLSchema" xmlns:dms="http://schemas.microsoft.com/office/2006/documentManagement/types" xmlns:pc="http://schemas.microsoft.com/office/infopath/2007/PartnerControls" targetNamespace="16399201-8c70-4094-bedf-0e0052933be2" elementFormDefault="qualified">
+    <xsd:import namespace="http://schemas.microsoft.com/office/2006/documentManagement/types"/>
+    <xsd:import namespace="http://schemas.microsoft.com/office/infopath/2007/PartnerControls"/>
+    <xsd:element name="MediaServiceMetadata" ma:index="8" nillable="true" ma:displayName="MediaServiceMetadata" ma:hidden="true" ma:internalName="MediaServiceMetadata" ma:readOnly="true">
+      <xsd:simpleType>
+        <xsd:restriction base="dms:Note"/>
+      </xsd:simpleType>
+    </xsd:element>
+    <xsd:element name="MediaServiceFastMetadata" ma:index="9" nillable="true" ma:displayName="MediaServiceFastMetadata" ma:hidden="true" ma:internalName="MediaServiceFastMetadata" ma:readOnly="true">
+      <xsd:simpleType>
+        <xsd:restriction base="dms:Note"/>
+      </xsd:simpleType>
+    </xsd:element>
+    <xsd:element name="MediaServiceAutoTags" ma:index="10" nillable="true" ma:displayName="Tags" ma:internalName="MediaServiceAutoTags" ma:readOnly="true">
+      <xsd:simpleType>
+        <xsd:restriction base="dms:Text"/>
+      </xsd:simpleType>
+    </xsd:element>
+    <xsd:element name="MediaServiceGenerationTime" ma:index="11" nillable="true" ma:displayName="MediaServiceGenerationTime" ma:hidden="true" ma:internalName="MediaServiceGenerationTime" ma:readOnly="true">
+      <xsd:simpleType>
+        <xsd:restriction base="dms:Text"/>
+      </xsd:simpleType>
+    </xsd:element>
+    <xsd:element name="MediaServiceEventHashCode" ma:index="12" nillable="true" ma:displayName="MediaServiceEventHashCode" ma:hidden="true" ma:internalName="MediaServiceEventHashCode" ma:readOnly="true">
+      <xsd:simpleType>
+        <xsd:restriction base="dms:Text"/>
+      </xsd:simpleType>
+    </xsd:element>
+    <xsd:element name="MediaServiceOCR" ma:index="13" nillable="true" ma:displayName="Extracted Text" ma:internalName="MediaServiceOCR" ma:readOnly="true">
+      <xsd:simpleType>
+        <xsd:restriction base="dms:Note">
+          <xsd:maxLength value="255"/>
+        </xsd:restriction>
+      </xsd:simpleType>
+    </xsd:element>
+    <xsd:element name="MediaServiceDateTaken" ma:index="14" nillable="true" ma:displayName="MediaServiceDateTaken" ma:hidden="true" ma:internalName="MediaServiceDateTaken" ma:readOnly="true">
+      <xsd:simpleType>
+        <xsd:restriction base="dms:Text"/>
+      </xsd:simpleType>
+    </xsd:element>
+    <xsd:element name="MediaServiceAutoKeyPoints" ma:index="17" nillable="true" ma:displayName="MediaServiceAutoKeyPoints" ma:hidden="true" ma:internalName="MediaServiceAutoKeyPoints" ma:readOnly="true">
+      <xsd:simpleType>
+        <xsd:restriction base="dms:Note"/>
+      </xsd:simpleType>
+    </xsd:element>
+    <xsd:element name="MediaServiceKeyPoints" ma:index="18" nillable="true" ma:displayName="KeyPoints" ma:internalName="MediaServiceKeyPoints" ma:readOnly="true">
+      <xsd:simpleType>
+        <xsd:restriction base="dms:Note">
+          <xsd:maxLength value="255"/>
+        </xsd:restriction>
+      </xsd:simpleType>
+    </xsd:element>
+    <xsd:element name="MediaLengthInSeconds" ma:index="19" nillable="true" ma:displayName="Length (seconds)" ma:internalName="MediaLengthInSeconds" ma:readOnly="true">
+      <xsd:simpleType>
+        <xsd:restriction base="dms:Unknown"/>
+      </xsd:simpleType>
+    </xsd:element>
+    <xsd:element name="Details" ma:index="20" nillable="true" ma:displayName="Details" ma:format="Dropdown" ma:internalName="Details">
+      <xsd:simpleType>
+        <xsd:restriction base="dms:Text">
+          <xsd:maxLength value="255"/>
+        </xsd:restriction>
+      </xsd:simpleType>
+    </xsd:element>
+  </xsd:schema>
+  <xsd:schema xmlns:xsd="http://www.w3.org/2001/XMLSchema" xmlns:xs="http://www.w3.org/2001/XMLSchema" xmlns:dms="http://schemas.microsoft.com/office/2006/documentManagement/types" xmlns:pc="http://schemas.microsoft.com/office/infopath/2007/PartnerControls" targetNamespace="c1d1d668-1a17-41cc-8e51-02c957e8f86c" elementFormDefault="qualified">
+    <xsd:import namespace="http://schemas.microsoft.com/office/2006/documentManagement/types"/>
+    <xsd:import namespace="http://schemas.microsoft.com/office/infopath/2007/PartnerControls"/>
+    <xsd:element name="SharedWithUsers" ma:index="15" nillable="true" ma:displayName="Shared With" ma:internalName="SharedWithUsers" ma:readOnly="true">
+      <xsd:complexType>
+        <xsd:complexContent>
+          <xsd:extension base="dms:UserMulti">
+            <xsd:sequence>
+              <xsd:element name="UserInfo" minOccurs="0" maxOccurs="unbounded">
+                <xsd:complexType>
+                  <xsd:sequence>
+                    <xsd:element name="DisplayName" type="xsd:string" minOccurs="0"/>
+                    <xsd:element name="AccountId" type="dms:UserId" minOccurs="0" nillable="true"/>
+                    <xsd:element name="AccountType" type="xsd:string" minOccurs="0"/>
+                  </xsd:sequence>
+                </xsd:complexType>
+              </xsd:element>
+            </xsd:sequence>
+          </xsd:extension>
+        </xsd:complexContent>
+      </xsd:complexType>
+    </xsd:element>
+    <xsd:element name="SharedWithDetails" ma:index="16" nillable="true" ma:displayName="Shared With Details" ma:internalName="SharedWithDetails" ma:readOnly="true">
+      <xsd:simpleType>
+        <xsd:restriction base="dms:Note">
+          <xsd:maxLength value="255"/>
+        </xsd:restriction>
+      </xsd:simpleType>
+    </xsd:element>
+  </xsd:schema>
+  <xsd:schema xmlns="http://schemas.openxmlformats.org/package/2006/metadata/core-properties" xmlns:xsd="http://www.w3.org/2001/XMLSchema" xmlns:xsi="http://www.w3.org/2001/XMLSchema-instance" xmlns:dc="http://purl.org/dc/elements/1.1/" xmlns:dcterms="http://purl.org/dc/terms/" xmlns:odoc="http://schemas.microsoft.com/internal/obd" targetNamespace="http://schemas.openxmlformats.org/package/2006/metadata/core-properties" elementFormDefault="qualified" attributeFormDefault="unqualified" blockDefault="#all">
+    <xsd:import namespace="http://purl.org/dc/elements/1.1/" schemaLocation="http://dublincore.org/schemas/xmls/qdc/2003/04/02/dc.xsd"/>
+    <xsd:import namespace="http://purl.org/dc/terms/" schemaLocation="http://dublincore.org/schemas/xmls/qdc/2003/04/02/dcterms.xsd"/>
+    <xsd:element name="coreProperties" type="CT_coreProperties"/>
+    <xsd:complexType name="CT_coreProperties">
+      <xsd:all>
+        <xsd:element ref="dc:creator" minOccurs="0" maxOccurs="1"/>
+        <xsd:element ref="dcterms:created" minOccurs="0" maxOccurs="1"/>
+        <xsd:element ref="dc:identifier" minOccurs="0" maxOccurs="1"/>
+        <xsd:element name="contentType" minOccurs="0" maxOccurs="1" type="xsd:string" ma:index="0" ma:displayName="Content Type"/>
+        <xsd:element ref="dc:title" minOccurs="0" maxOccurs="1" ma:index="4" ma:displayName="Title"/>
+        <xsd:element ref="dc:subject" minOccurs="0" maxOccurs="1"/>
+        <xsd:element ref="dc:description" minOccurs="0" maxOccurs="1"/>
+        <xsd:element name="keywords" minOccurs="0" maxOccurs="1" type="xsd:string"/>
+        <xsd:element ref="dc:language" minOccurs="0" maxOccurs="1"/>
+        <xsd:element name="category" minOccurs="0" maxOccurs="1" type="xsd:string"/>
+        <xsd:element name="version" minOccurs="0" maxOccurs="1" type="xsd:string"/>
+        <xsd:element name="revision" minOccurs="0" maxOccurs="1" type="xsd:string">
+          <xsd:annotation>
+            <xsd:documentation>
+                        This value indicates the number of saves or revisions. The application is responsible for updating this value after each revision.
+                    </xsd:documentation>
+          </xsd:annotation>
+        </xsd:element>
+        <xsd:element name="lastModifiedBy" minOccurs="0" maxOccurs="1" type="xsd:string"/>
+        <xsd:element ref="dcterms:modified" minOccurs="0" maxOccurs="1"/>
+        <xsd:element name="contentStatus" minOccurs="0" maxOccurs="1" type="xsd:string"/>
+      </xsd:all>
+    </xsd:complexType>
+  </xsd:schema>
+  <xs:schema xmlns:pc="http://schemas.microsoft.com/office/infopath/2007/PartnerControls" xmlns:xs="http://www.w3.org/2001/XMLSchema" targetNamespace="http://schemas.microsoft.com/office/infopath/2007/PartnerControls" elementFormDefault="qualified" attributeFormDefault="unqualified">
+    <xs:element name="Person">
+      <xs:complexType>
+        <xs:sequence>
+          <xs:element ref="pc:DisplayName" minOccurs="0"/>
+          <xs:element ref="pc:AccountId" minOccurs="0"/>
+          <xs:element ref="pc:AccountType" minOccurs="0"/>
+        </xs:sequence>
+      </xs:complexType>
+    </xs:element>
+    <xs:element name="DisplayName" type="xs:string"/>
+    <xs:element name="AccountId" type="xs:string"/>
+    <xs:element name="AccountType" type="xs:string"/>
+    <xs:element name="BDCAssociatedEntity">
+      <xs:complexType>
+        <xs:sequence>
+          <xs:element ref="pc:BDCEntity" minOccurs="0" maxOccurs="unbounded"/>
+        </xs:sequence>
+        <xs:attribute ref="pc:EntityNamespace"/>
+        <xs:attribute ref="pc:EntityName"/>
+        <xs:attribute ref="pc:SystemInstanceName"/>
+        <xs:attribute ref="pc:AssociationName"/>
+      </xs:complexType>
+    </xs:element>
+    <xs:attribute name="EntityNamespace" type="xs:string"/>
+    <xs:attribute name="EntityName" type="xs:string"/>
+    <xs:attribute name="SystemInstanceName" type="xs:string"/>
+    <xs:attribute name="AssociationName" type="xs:string"/>
+    <xs:element name="BDCEntity">
+      <xs:complexType>
+        <xs:sequence>
+          <xs:element ref="pc:EntityDisplayName" minOccurs="0"/>
+          <xs:element ref="pc:EntityInstanceReference" minOccurs="0"/>
+          <xs:element ref="pc:EntityId1" minOccurs="0"/>
+          <xs:element ref="pc:EntityId2" minOccurs="0"/>
+          <xs:element ref="pc:EntityId3" minOccurs="0"/>
+          <xs:element ref="pc:EntityId4" minOccurs="0"/>
+          <xs:element ref="pc:EntityId5" minOccurs="0"/>
+        </xs:sequence>
+      </xs:complexType>
+    </xs:element>
+    <xs:element name="EntityDisplayName" type="xs:string"/>
+    <xs:element name="EntityInstanceReference" type="xs:string"/>
+    <xs:element name="EntityId1" type="xs:string"/>
+    <xs:element name="EntityId2" type="xs:string"/>
+    <xs:element name="EntityId3" type="xs:string"/>
+    <xs:element name="EntityId4" type="xs:string"/>
+    <xs:element name="EntityId5" type="xs:string"/>
+    <xs:element name="Terms">
+      <xs:complexType>
+        <xs:sequence>
+          <xs:element ref="pc:TermInfo" minOccurs="0" maxOccurs="unbounded"/>
+        </xs:sequence>
+      </xs:complexType>
+    </xs:element>
+    <xs:element name="TermInfo">
+      <xs:complexType>
+        <xs:sequence>
+          <xs:element ref="pc:TermName" minOccurs="0"/>
+          <xs:element ref="pc:TermId" minOccurs="0"/>
+        </xs:sequence>
+      </xs:complexType>
+    </xs:element>
+    <xs:element name="TermName" type="xs:string"/>
+    <xs:element name="TermId" type="xs:string"/>
+  </xs:schema>
+</ct:contentTypeSchema>
+</file>
+
+<file path=customXml/item2.xml><?xml version="1.0" encoding="utf-8"?>
+<?mso-contentType ?>
+<FormTemplates xmlns="http://schemas.microsoft.com/sharepoint/v3/contenttype/forms">
+  <Display>DocumentLibraryForm</Display>
+  <Edit>DocumentLibraryForm</Edit>
+  <New>DocumentLibraryForm</New>
+</FormTemplates>
+</file>
+
+<file path=customXml/item3.xml><?xml version="1.0" encoding="utf-8"?>
+<p:properties xmlns:p="http://schemas.microsoft.com/office/2006/metadata/properties" xmlns:xsi="http://www.w3.org/2001/XMLSchema-instance" xmlns:pc="http://schemas.microsoft.com/office/infopath/2007/PartnerControls">
+  <documentManagement>
+    <Details xmlns="16399201-8c70-4094-bedf-0e0052933be2" xsi:nil="true"/>
+  </documentManagement>
+</p:properties>
+</file>
+
+<file path=customXml/itemProps1.xml><?xml version="1.0" encoding="utf-8"?>
+<ds:datastoreItem xmlns:ds="http://schemas.openxmlformats.org/officeDocument/2006/customXml" ds:itemID="{02FEB4D1-C4C9-4C32-890F-45DE9CC2F74B}"/>
+</file>
+
+<file path=customXml/itemProps2.xml><?xml version="1.0" encoding="utf-8"?>
+<ds:datastoreItem xmlns:ds="http://schemas.openxmlformats.org/officeDocument/2006/customXml" ds:itemID="{FEDF3F04-6A68-474E-9E8F-7949B1A2E968}"/>
+</file>
+
+<file path=customXml/itemProps3.xml><?xml version="1.0" encoding="utf-8"?>
+<ds:datastoreItem xmlns:ds="http://schemas.openxmlformats.org/officeDocument/2006/customXml" ds:itemID="{3D46A74E-3D4C-48F9-A028-DF5D98F468F9}"/>
 </file>